--- a/White Boarding Session/Diagrams.pptx
+++ b/White Boarding Session/Diagrams.pptx
@@ -137,7 +137,7 @@
           <p:cNvPr id="2" name="Title 1">
             <a:extLst>
               <a:ext uri="{FF2B5EF4-FFF2-40B4-BE49-F238E27FC236}">
-                <a16:creationId xmlns:a16="http://schemas.microsoft.com/office/drawing/2014/main" id="{08426959-5038-4AAF-9C94-ECFBDFFF0FE1}"/>
+                <a16:creationId xmlns:a16="http://schemas.microsoft.com/office/drawing/2014/main" xmlns="" id="{08426959-5038-4AAF-9C94-ECFBDFFF0FE1}"/>
               </a:ext>
             </a:extLst>
           </p:cNvPr>
@@ -174,7 +174,7 @@
           <p:cNvPr id="3" name="Subtitle 2">
             <a:extLst>
               <a:ext uri="{FF2B5EF4-FFF2-40B4-BE49-F238E27FC236}">
-                <a16:creationId xmlns:a16="http://schemas.microsoft.com/office/drawing/2014/main" id="{AB137B43-06FA-49D2-B0AD-5782980B781D}"/>
+                <a16:creationId xmlns:a16="http://schemas.microsoft.com/office/drawing/2014/main" xmlns="" id="{AB137B43-06FA-49D2-B0AD-5782980B781D}"/>
               </a:ext>
             </a:extLst>
           </p:cNvPr>
@@ -244,7 +244,7 @@
           <p:cNvPr id="4" name="Date Placeholder 3">
             <a:extLst>
               <a:ext uri="{FF2B5EF4-FFF2-40B4-BE49-F238E27FC236}">
-                <a16:creationId xmlns:a16="http://schemas.microsoft.com/office/drawing/2014/main" id="{25C41BE4-3A50-4009-942D-FA610279FEA7}"/>
+                <a16:creationId xmlns:a16="http://schemas.microsoft.com/office/drawing/2014/main" xmlns="" id="{25C41BE4-3A50-4009-942D-FA610279FEA7}"/>
               </a:ext>
             </a:extLst>
           </p:cNvPr>
@@ -262,7 +262,7 @@
           <a:p>
             <a:fld id="{7197974A-2564-4B50-81B9-7BC2278DE874}" type="datetimeFigureOut">
               <a:rPr lang="en-US" smtClean="0"/>
-              <a:t>2/5/2020</a:t>
+              <a:t>3/25/2020</a:t>
             </a:fld>
             <a:endParaRPr lang="en-US"/>
           </a:p>
@@ -273,7 +273,7 @@
           <p:cNvPr id="5" name="Footer Placeholder 4">
             <a:extLst>
               <a:ext uri="{FF2B5EF4-FFF2-40B4-BE49-F238E27FC236}">
-                <a16:creationId xmlns:a16="http://schemas.microsoft.com/office/drawing/2014/main" id="{7366C79B-853C-405B-9696-244A7797440E}"/>
+                <a16:creationId xmlns:a16="http://schemas.microsoft.com/office/drawing/2014/main" xmlns="" id="{7366C79B-853C-405B-9696-244A7797440E}"/>
               </a:ext>
             </a:extLst>
           </p:cNvPr>
@@ -298,7 +298,7 @@
           <p:cNvPr id="6" name="Slide Number Placeholder 5">
             <a:extLst>
               <a:ext uri="{FF2B5EF4-FFF2-40B4-BE49-F238E27FC236}">
-                <a16:creationId xmlns:a16="http://schemas.microsoft.com/office/drawing/2014/main" id="{5526464E-9D0F-44F8-9C81-B5A76DBE74D1}"/>
+                <a16:creationId xmlns:a16="http://schemas.microsoft.com/office/drawing/2014/main" xmlns="" id="{5526464E-9D0F-44F8-9C81-B5A76DBE74D1}"/>
               </a:ext>
             </a:extLst>
           </p:cNvPr>
@@ -357,7 +357,7 @@
           <p:cNvPr id="2" name="Title 1">
             <a:extLst>
               <a:ext uri="{FF2B5EF4-FFF2-40B4-BE49-F238E27FC236}">
-                <a16:creationId xmlns:a16="http://schemas.microsoft.com/office/drawing/2014/main" id="{8D6DBDF1-670A-483E-A3CD-8279F78FF6B7}"/>
+                <a16:creationId xmlns:a16="http://schemas.microsoft.com/office/drawing/2014/main" xmlns="" id="{8D6DBDF1-670A-483E-A3CD-8279F78FF6B7}"/>
               </a:ext>
             </a:extLst>
           </p:cNvPr>
@@ -385,7 +385,7 @@
           <p:cNvPr id="3" name="Vertical Text Placeholder 2">
             <a:extLst>
               <a:ext uri="{FF2B5EF4-FFF2-40B4-BE49-F238E27FC236}">
-                <a16:creationId xmlns:a16="http://schemas.microsoft.com/office/drawing/2014/main" id="{63B813EF-7CC2-4144-B568-7CB9ABD8A2FA}"/>
+                <a16:creationId xmlns:a16="http://schemas.microsoft.com/office/drawing/2014/main" xmlns="" id="{63B813EF-7CC2-4144-B568-7CB9ABD8A2FA}"/>
               </a:ext>
             </a:extLst>
           </p:cNvPr>
@@ -442,7 +442,7 @@
           <p:cNvPr id="4" name="Date Placeholder 3">
             <a:extLst>
               <a:ext uri="{FF2B5EF4-FFF2-40B4-BE49-F238E27FC236}">
-                <a16:creationId xmlns:a16="http://schemas.microsoft.com/office/drawing/2014/main" id="{8AA2F372-A622-4E03-ABC1-2AAC3E72C272}"/>
+                <a16:creationId xmlns:a16="http://schemas.microsoft.com/office/drawing/2014/main" xmlns="" id="{8AA2F372-A622-4E03-ABC1-2AAC3E72C272}"/>
               </a:ext>
             </a:extLst>
           </p:cNvPr>
@@ -460,7 +460,7 @@
           <a:p>
             <a:fld id="{7197974A-2564-4B50-81B9-7BC2278DE874}" type="datetimeFigureOut">
               <a:rPr lang="en-US" smtClean="0"/>
-              <a:t>2/5/2020</a:t>
+              <a:t>3/25/2020</a:t>
             </a:fld>
             <a:endParaRPr lang="en-US"/>
           </a:p>
@@ -471,7 +471,7 @@
           <p:cNvPr id="5" name="Footer Placeholder 4">
             <a:extLst>
               <a:ext uri="{FF2B5EF4-FFF2-40B4-BE49-F238E27FC236}">
-                <a16:creationId xmlns:a16="http://schemas.microsoft.com/office/drawing/2014/main" id="{1C3D5C6A-CDB8-4445-9319-BF5D0EB93ADC}"/>
+                <a16:creationId xmlns:a16="http://schemas.microsoft.com/office/drawing/2014/main" xmlns="" id="{1C3D5C6A-CDB8-4445-9319-BF5D0EB93ADC}"/>
               </a:ext>
             </a:extLst>
           </p:cNvPr>
@@ -496,7 +496,7 @@
           <p:cNvPr id="6" name="Slide Number Placeholder 5">
             <a:extLst>
               <a:ext uri="{FF2B5EF4-FFF2-40B4-BE49-F238E27FC236}">
-                <a16:creationId xmlns:a16="http://schemas.microsoft.com/office/drawing/2014/main" id="{E6C4BF45-89CA-4DA9-906F-4EEB8411B7A8}"/>
+                <a16:creationId xmlns:a16="http://schemas.microsoft.com/office/drawing/2014/main" xmlns="" id="{E6C4BF45-89CA-4DA9-906F-4EEB8411B7A8}"/>
               </a:ext>
             </a:extLst>
           </p:cNvPr>
@@ -555,7 +555,7 @@
           <p:cNvPr id="2" name="Vertical Title 1">
             <a:extLst>
               <a:ext uri="{FF2B5EF4-FFF2-40B4-BE49-F238E27FC236}">
-                <a16:creationId xmlns:a16="http://schemas.microsoft.com/office/drawing/2014/main" id="{4E2154E9-4A06-44F2-8AA8-A6412C205002}"/>
+                <a16:creationId xmlns:a16="http://schemas.microsoft.com/office/drawing/2014/main" xmlns="" id="{4E2154E9-4A06-44F2-8AA8-A6412C205002}"/>
               </a:ext>
             </a:extLst>
           </p:cNvPr>
@@ -588,7 +588,7 @@
           <p:cNvPr id="3" name="Vertical Text Placeholder 2">
             <a:extLst>
               <a:ext uri="{FF2B5EF4-FFF2-40B4-BE49-F238E27FC236}">
-                <a16:creationId xmlns:a16="http://schemas.microsoft.com/office/drawing/2014/main" id="{D9C16C4A-AC9C-4817-AB2D-56B52E0F4EB8}"/>
+                <a16:creationId xmlns:a16="http://schemas.microsoft.com/office/drawing/2014/main" xmlns="" id="{D9C16C4A-AC9C-4817-AB2D-56B52E0F4EB8}"/>
               </a:ext>
             </a:extLst>
           </p:cNvPr>
@@ -650,7 +650,7 @@
           <p:cNvPr id="4" name="Date Placeholder 3">
             <a:extLst>
               <a:ext uri="{FF2B5EF4-FFF2-40B4-BE49-F238E27FC236}">
-                <a16:creationId xmlns:a16="http://schemas.microsoft.com/office/drawing/2014/main" id="{9A056B6A-3DC5-4660-8606-C3550132E182}"/>
+                <a16:creationId xmlns:a16="http://schemas.microsoft.com/office/drawing/2014/main" xmlns="" id="{9A056B6A-3DC5-4660-8606-C3550132E182}"/>
               </a:ext>
             </a:extLst>
           </p:cNvPr>
@@ -668,7 +668,7 @@
           <a:p>
             <a:fld id="{7197974A-2564-4B50-81B9-7BC2278DE874}" type="datetimeFigureOut">
               <a:rPr lang="en-US" smtClean="0"/>
-              <a:t>2/5/2020</a:t>
+              <a:t>3/25/2020</a:t>
             </a:fld>
             <a:endParaRPr lang="en-US"/>
           </a:p>
@@ -679,7 +679,7 @@
           <p:cNvPr id="5" name="Footer Placeholder 4">
             <a:extLst>
               <a:ext uri="{FF2B5EF4-FFF2-40B4-BE49-F238E27FC236}">
-                <a16:creationId xmlns:a16="http://schemas.microsoft.com/office/drawing/2014/main" id="{901D7BF4-4530-493A-ACE9-0D971AB9C53B}"/>
+                <a16:creationId xmlns:a16="http://schemas.microsoft.com/office/drawing/2014/main" xmlns="" id="{901D7BF4-4530-493A-ACE9-0D971AB9C53B}"/>
               </a:ext>
             </a:extLst>
           </p:cNvPr>
@@ -704,7 +704,7 @@
           <p:cNvPr id="6" name="Slide Number Placeholder 5">
             <a:extLst>
               <a:ext uri="{FF2B5EF4-FFF2-40B4-BE49-F238E27FC236}">
-                <a16:creationId xmlns:a16="http://schemas.microsoft.com/office/drawing/2014/main" id="{50F9665A-856D-4948-8DFF-19321C933FFE}"/>
+                <a16:creationId xmlns:a16="http://schemas.microsoft.com/office/drawing/2014/main" xmlns="" id="{50F9665A-856D-4948-8DFF-19321C933FFE}"/>
               </a:ext>
             </a:extLst>
           </p:cNvPr>
@@ -763,7 +763,7 @@
           <p:cNvPr id="2" name="Title 1">
             <a:extLst>
               <a:ext uri="{FF2B5EF4-FFF2-40B4-BE49-F238E27FC236}">
-                <a16:creationId xmlns:a16="http://schemas.microsoft.com/office/drawing/2014/main" id="{980AC21F-FF5E-412B-A6EA-15E5739B3C81}"/>
+                <a16:creationId xmlns:a16="http://schemas.microsoft.com/office/drawing/2014/main" xmlns="" id="{980AC21F-FF5E-412B-A6EA-15E5739B3C81}"/>
               </a:ext>
             </a:extLst>
           </p:cNvPr>
@@ -791,7 +791,7 @@
           <p:cNvPr id="3" name="Content Placeholder 2">
             <a:extLst>
               <a:ext uri="{FF2B5EF4-FFF2-40B4-BE49-F238E27FC236}">
-                <a16:creationId xmlns:a16="http://schemas.microsoft.com/office/drawing/2014/main" id="{DDC7E250-F7A3-4020-AEE9-AB6F022CD774}"/>
+                <a16:creationId xmlns:a16="http://schemas.microsoft.com/office/drawing/2014/main" xmlns="" id="{DDC7E250-F7A3-4020-AEE9-AB6F022CD774}"/>
               </a:ext>
             </a:extLst>
           </p:cNvPr>
@@ -848,7 +848,7 @@
           <p:cNvPr id="4" name="Date Placeholder 3">
             <a:extLst>
               <a:ext uri="{FF2B5EF4-FFF2-40B4-BE49-F238E27FC236}">
-                <a16:creationId xmlns:a16="http://schemas.microsoft.com/office/drawing/2014/main" id="{29E86C54-1A93-4AE0-B1A1-E020D9781FC5}"/>
+                <a16:creationId xmlns:a16="http://schemas.microsoft.com/office/drawing/2014/main" xmlns="" id="{29E86C54-1A93-4AE0-B1A1-E020D9781FC5}"/>
               </a:ext>
             </a:extLst>
           </p:cNvPr>
@@ -866,7 +866,7 @@
           <a:p>
             <a:fld id="{7197974A-2564-4B50-81B9-7BC2278DE874}" type="datetimeFigureOut">
               <a:rPr lang="en-US" smtClean="0"/>
-              <a:t>2/5/2020</a:t>
+              <a:t>3/25/2020</a:t>
             </a:fld>
             <a:endParaRPr lang="en-US"/>
           </a:p>
@@ -877,7 +877,7 @@
           <p:cNvPr id="5" name="Footer Placeholder 4">
             <a:extLst>
               <a:ext uri="{FF2B5EF4-FFF2-40B4-BE49-F238E27FC236}">
-                <a16:creationId xmlns:a16="http://schemas.microsoft.com/office/drawing/2014/main" id="{53FAD490-63FC-496A-98C9-0C0617E09DEB}"/>
+                <a16:creationId xmlns:a16="http://schemas.microsoft.com/office/drawing/2014/main" xmlns="" id="{53FAD490-63FC-496A-98C9-0C0617E09DEB}"/>
               </a:ext>
             </a:extLst>
           </p:cNvPr>
@@ -902,7 +902,7 @@
           <p:cNvPr id="6" name="Slide Number Placeholder 5">
             <a:extLst>
               <a:ext uri="{FF2B5EF4-FFF2-40B4-BE49-F238E27FC236}">
-                <a16:creationId xmlns:a16="http://schemas.microsoft.com/office/drawing/2014/main" id="{7E0715A2-11FE-48DC-9BBA-68AE2BDAD43C}"/>
+                <a16:creationId xmlns:a16="http://schemas.microsoft.com/office/drawing/2014/main" xmlns="" id="{7E0715A2-11FE-48DC-9BBA-68AE2BDAD43C}"/>
               </a:ext>
             </a:extLst>
           </p:cNvPr>
@@ -961,7 +961,7 @@
           <p:cNvPr id="2" name="Title 1">
             <a:extLst>
               <a:ext uri="{FF2B5EF4-FFF2-40B4-BE49-F238E27FC236}">
-                <a16:creationId xmlns:a16="http://schemas.microsoft.com/office/drawing/2014/main" id="{9B7DBC97-EAB6-49F7-B403-621D04AFF261}"/>
+                <a16:creationId xmlns:a16="http://schemas.microsoft.com/office/drawing/2014/main" xmlns="" id="{9B7DBC97-EAB6-49F7-B403-621D04AFF261}"/>
               </a:ext>
             </a:extLst>
           </p:cNvPr>
@@ -998,7 +998,7 @@
           <p:cNvPr id="3" name="Text Placeholder 2">
             <a:extLst>
               <a:ext uri="{FF2B5EF4-FFF2-40B4-BE49-F238E27FC236}">
-                <a16:creationId xmlns:a16="http://schemas.microsoft.com/office/drawing/2014/main" id="{C3E48800-9DBE-4A13-9E25-5712AA9433D6}"/>
+                <a16:creationId xmlns:a16="http://schemas.microsoft.com/office/drawing/2014/main" xmlns="" id="{C3E48800-9DBE-4A13-9E25-5712AA9433D6}"/>
               </a:ext>
             </a:extLst>
           </p:cNvPr>
@@ -1123,7 +1123,7 @@
           <p:cNvPr id="4" name="Date Placeholder 3">
             <a:extLst>
               <a:ext uri="{FF2B5EF4-FFF2-40B4-BE49-F238E27FC236}">
-                <a16:creationId xmlns:a16="http://schemas.microsoft.com/office/drawing/2014/main" id="{99B9BEB1-7F60-40FE-ADDD-67CA518222EE}"/>
+                <a16:creationId xmlns:a16="http://schemas.microsoft.com/office/drawing/2014/main" xmlns="" id="{99B9BEB1-7F60-40FE-ADDD-67CA518222EE}"/>
               </a:ext>
             </a:extLst>
           </p:cNvPr>
@@ -1141,7 +1141,7 @@
           <a:p>
             <a:fld id="{7197974A-2564-4B50-81B9-7BC2278DE874}" type="datetimeFigureOut">
               <a:rPr lang="en-US" smtClean="0"/>
-              <a:t>2/5/2020</a:t>
+              <a:t>3/25/2020</a:t>
             </a:fld>
             <a:endParaRPr lang="en-US"/>
           </a:p>
@@ -1152,7 +1152,7 @@
           <p:cNvPr id="5" name="Footer Placeholder 4">
             <a:extLst>
               <a:ext uri="{FF2B5EF4-FFF2-40B4-BE49-F238E27FC236}">
-                <a16:creationId xmlns:a16="http://schemas.microsoft.com/office/drawing/2014/main" id="{CDF6E810-9641-4CF0-9912-20185CE60795}"/>
+                <a16:creationId xmlns:a16="http://schemas.microsoft.com/office/drawing/2014/main" xmlns="" id="{CDF6E810-9641-4CF0-9912-20185CE60795}"/>
               </a:ext>
             </a:extLst>
           </p:cNvPr>
@@ -1177,7 +1177,7 @@
           <p:cNvPr id="6" name="Slide Number Placeholder 5">
             <a:extLst>
               <a:ext uri="{FF2B5EF4-FFF2-40B4-BE49-F238E27FC236}">
-                <a16:creationId xmlns:a16="http://schemas.microsoft.com/office/drawing/2014/main" id="{0B6FEF4A-7DE8-4642-BFEC-7A9C53187C4A}"/>
+                <a16:creationId xmlns:a16="http://schemas.microsoft.com/office/drawing/2014/main" xmlns="" id="{0B6FEF4A-7DE8-4642-BFEC-7A9C53187C4A}"/>
               </a:ext>
             </a:extLst>
           </p:cNvPr>
@@ -1236,7 +1236,7 @@
           <p:cNvPr id="2" name="Title 1">
             <a:extLst>
               <a:ext uri="{FF2B5EF4-FFF2-40B4-BE49-F238E27FC236}">
-                <a16:creationId xmlns:a16="http://schemas.microsoft.com/office/drawing/2014/main" id="{B8DC38D1-B716-4E32-A36E-4B31A625768B}"/>
+                <a16:creationId xmlns:a16="http://schemas.microsoft.com/office/drawing/2014/main" xmlns="" id="{B8DC38D1-B716-4E32-A36E-4B31A625768B}"/>
               </a:ext>
             </a:extLst>
           </p:cNvPr>
@@ -1264,7 +1264,7 @@
           <p:cNvPr id="3" name="Content Placeholder 2">
             <a:extLst>
               <a:ext uri="{FF2B5EF4-FFF2-40B4-BE49-F238E27FC236}">
-                <a16:creationId xmlns:a16="http://schemas.microsoft.com/office/drawing/2014/main" id="{56DBA6C1-3B4C-4716-BE0C-3585C223F93F}"/>
+                <a16:creationId xmlns:a16="http://schemas.microsoft.com/office/drawing/2014/main" xmlns="" id="{56DBA6C1-3B4C-4716-BE0C-3585C223F93F}"/>
               </a:ext>
             </a:extLst>
           </p:cNvPr>
@@ -1326,7 +1326,7 @@
           <p:cNvPr id="4" name="Content Placeholder 3">
             <a:extLst>
               <a:ext uri="{FF2B5EF4-FFF2-40B4-BE49-F238E27FC236}">
-                <a16:creationId xmlns:a16="http://schemas.microsoft.com/office/drawing/2014/main" id="{1C5A8A3F-FFEA-43D4-8117-E06822002FAE}"/>
+                <a16:creationId xmlns:a16="http://schemas.microsoft.com/office/drawing/2014/main" xmlns="" id="{1C5A8A3F-FFEA-43D4-8117-E06822002FAE}"/>
               </a:ext>
             </a:extLst>
           </p:cNvPr>
@@ -1388,7 +1388,7 @@
           <p:cNvPr id="5" name="Date Placeholder 4">
             <a:extLst>
               <a:ext uri="{FF2B5EF4-FFF2-40B4-BE49-F238E27FC236}">
-                <a16:creationId xmlns:a16="http://schemas.microsoft.com/office/drawing/2014/main" id="{41D2EB74-D3BC-4335-AA5D-3BED74650B6F}"/>
+                <a16:creationId xmlns:a16="http://schemas.microsoft.com/office/drawing/2014/main" xmlns="" id="{41D2EB74-D3BC-4335-AA5D-3BED74650B6F}"/>
               </a:ext>
             </a:extLst>
           </p:cNvPr>
@@ -1406,7 +1406,7 @@
           <a:p>
             <a:fld id="{7197974A-2564-4B50-81B9-7BC2278DE874}" type="datetimeFigureOut">
               <a:rPr lang="en-US" smtClean="0"/>
-              <a:t>2/5/2020</a:t>
+              <a:t>3/25/2020</a:t>
             </a:fld>
             <a:endParaRPr lang="en-US"/>
           </a:p>
@@ -1417,7 +1417,7 @@
           <p:cNvPr id="6" name="Footer Placeholder 5">
             <a:extLst>
               <a:ext uri="{FF2B5EF4-FFF2-40B4-BE49-F238E27FC236}">
-                <a16:creationId xmlns:a16="http://schemas.microsoft.com/office/drawing/2014/main" id="{9281BA3B-B10B-4FD1-A5B4-8082E0EF543D}"/>
+                <a16:creationId xmlns:a16="http://schemas.microsoft.com/office/drawing/2014/main" xmlns="" id="{9281BA3B-B10B-4FD1-A5B4-8082E0EF543D}"/>
               </a:ext>
             </a:extLst>
           </p:cNvPr>
@@ -1442,7 +1442,7 @@
           <p:cNvPr id="7" name="Slide Number Placeholder 6">
             <a:extLst>
               <a:ext uri="{FF2B5EF4-FFF2-40B4-BE49-F238E27FC236}">
-                <a16:creationId xmlns:a16="http://schemas.microsoft.com/office/drawing/2014/main" id="{31F898EA-A26D-4435-BC8B-E023E4A19DE8}"/>
+                <a16:creationId xmlns:a16="http://schemas.microsoft.com/office/drawing/2014/main" xmlns="" id="{31F898EA-A26D-4435-BC8B-E023E4A19DE8}"/>
               </a:ext>
             </a:extLst>
           </p:cNvPr>
@@ -1501,7 +1501,7 @@
           <p:cNvPr id="2" name="Title 1">
             <a:extLst>
               <a:ext uri="{FF2B5EF4-FFF2-40B4-BE49-F238E27FC236}">
-                <a16:creationId xmlns:a16="http://schemas.microsoft.com/office/drawing/2014/main" id="{80D6519E-6C36-41F5-872D-A6FA17188B2E}"/>
+                <a16:creationId xmlns:a16="http://schemas.microsoft.com/office/drawing/2014/main" xmlns="" id="{80D6519E-6C36-41F5-872D-A6FA17188B2E}"/>
               </a:ext>
             </a:extLst>
           </p:cNvPr>
@@ -1534,7 +1534,7 @@
           <p:cNvPr id="3" name="Text Placeholder 2">
             <a:extLst>
               <a:ext uri="{FF2B5EF4-FFF2-40B4-BE49-F238E27FC236}">
-                <a16:creationId xmlns:a16="http://schemas.microsoft.com/office/drawing/2014/main" id="{D1E72F31-2004-4403-B1B7-3FCB1F8640AC}"/>
+                <a16:creationId xmlns:a16="http://schemas.microsoft.com/office/drawing/2014/main" xmlns="" id="{D1E72F31-2004-4403-B1B7-3FCB1F8640AC}"/>
               </a:ext>
             </a:extLst>
           </p:cNvPr>
@@ -1605,7 +1605,7 @@
           <p:cNvPr id="4" name="Content Placeholder 3">
             <a:extLst>
               <a:ext uri="{FF2B5EF4-FFF2-40B4-BE49-F238E27FC236}">
-                <a16:creationId xmlns:a16="http://schemas.microsoft.com/office/drawing/2014/main" id="{0D585904-C8FB-409A-A407-BE9073F323C7}"/>
+                <a16:creationId xmlns:a16="http://schemas.microsoft.com/office/drawing/2014/main" xmlns="" id="{0D585904-C8FB-409A-A407-BE9073F323C7}"/>
               </a:ext>
             </a:extLst>
           </p:cNvPr>
@@ -1667,7 +1667,7 @@
           <p:cNvPr id="5" name="Text Placeholder 4">
             <a:extLst>
               <a:ext uri="{FF2B5EF4-FFF2-40B4-BE49-F238E27FC236}">
-                <a16:creationId xmlns:a16="http://schemas.microsoft.com/office/drawing/2014/main" id="{A2876B5B-CFA4-4419-ABCC-6228E0B73980}"/>
+                <a16:creationId xmlns:a16="http://schemas.microsoft.com/office/drawing/2014/main" xmlns="" id="{A2876B5B-CFA4-4419-ABCC-6228E0B73980}"/>
               </a:ext>
             </a:extLst>
           </p:cNvPr>
@@ -1738,7 +1738,7 @@
           <p:cNvPr id="6" name="Content Placeholder 5">
             <a:extLst>
               <a:ext uri="{FF2B5EF4-FFF2-40B4-BE49-F238E27FC236}">
-                <a16:creationId xmlns:a16="http://schemas.microsoft.com/office/drawing/2014/main" id="{BD0467BA-AFA2-4507-AA2F-47F057AF97CB}"/>
+                <a16:creationId xmlns:a16="http://schemas.microsoft.com/office/drawing/2014/main" xmlns="" id="{BD0467BA-AFA2-4507-AA2F-47F057AF97CB}"/>
               </a:ext>
             </a:extLst>
           </p:cNvPr>
@@ -1800,7 +1800,7 @@
           <p:cNvPr id="7" name="Date Placeholder 6">
             <a:extLst>
               <a:ext uri="{FF2B5EF4-FFF2-40B4-BE49-F238E27FC236}">
-                <a16:creationId xmlns:a16="http://schemas.microsoft.com/office/drawing/2014/main" id="{8D31BC26-F000-4806-B2C7-96F8836F6B08}"/>
+                <a16:creationId xmlns:a16="http://schemas.microsoft.com/office/drawing/2014/main" xmlns="" id="{8D31BC26-F000-4806-B2C7-96F8836F6B08}"/>
               </a:ext>
             </a:extLst>
           </p:cNvPr>
@@ -1818,7 +1818,7 @@
           <a:p>
             <a:fld id="{7197974A-2564-4B50-81B9-7BC2278DE874}" type="datetimeFigureOut">
               <a:rPr lang="en-US" smtClean="0"/>
-              <a:t>2/5/2020</a:t>
+              <a:t>3/25/2020</a:t>
             </a:fld>
             <a:endParaRPr lang="en-US"/>
           </a:p>
@@ -1829,7 +1829,7 @@
           <p:cNvPr id="8" name="Footer Placeholder 7">
             <a:extLst>
               <a:ext uri="{FF2B5EF4-FFF2-40B4-BE49-F238E27FC236}">
-                <a16:creationId xmlns:a16="http://schemas.microsoft.com/office/drawing/2014/main" id="{E5B30AFB-F25B-44DA-8F1A-B86C9E7D0D7C}"/>
+                <a16:creationId xmlns:a16="http://schemas.microsoft.com/office/drawing/2014/main" xmlns="" id="{E5B30AFB-F25B-44DA-8F1A-B86C9E7D0D7C}"/>
               </a:ext>
             </a:extLst>
           </p:cNvPr>
@@ -1854,7 +1854,7 @@
           <p:cNvPr id="9" name="Slide Number Placeholder 8">
             <a:extLst>
               <a:ext uri="{FF2B5EF4-FFF2-40B4-BE49-F238E27FC236}">
-                <a16:creationId xmlns:a16="http://schemas.microsoft.com/office/drawing/2014/main" id="{27F22AA2-56B8-4683-B65A-F535147DD148}"/>
+                <a16:creationId xmlns:a16="http://schemas.microsoft.com/office/drawing/2014/main" xmlns="" id="{27F22AA2-56B8-4683-B65A-F535147DD148}"/>
               </a:ext>
             </a:extLst>
           </p:cNvPr>
@@ -1913,7 +1913,7 @@
           <p:cNvPr id="2" name="Title 1">
             <a:extLst>
               <a:ext uri="{FF2B5EF4-FFF2-40B4-BE49-F238E27FC236}">
-                <a16:creationId xmlns:a16="http://schemas.microsoft.com/office/drawing/2014/main" id="{0EE4B225-2E26-49B3-AEEE-2A0E31F39448}"/>
+                <a16:creationId xmlns:a16="http://schemas.microsoft.com/office/drawing/2014/main" xmlns="" id="{0EE4B225-2E26-49B3-AEEE-2A0E31F39448}"/>
               </a:ext>
             </a:extLst>
           </p:cNvPr>
@@ -1941,7 +1941,7 @@
           <p:cNvPr id="3" name="Date Placeholder 2">
             <a:extLst>
               <a:ext uri="{FF2B5EF4-FFF2-40B4-BE49-F238E27FC236}">
-                <a16:creationId xmlns:a16="http://schemas.microsoft.com/office/drawing/2014/main" id="{C9CF824F-DA57-4C7F-9A21-A67F0B0180A8}"/>
+                <a16:creationId xmlns:a16="http://schemas.microsoft.com/office/drawing/2014/main" xmlns="" id="{C9CF824F-DA57-4C7F-9A21-A67F0B0180A8}"/>
               </a:ext>
             </a:extLst>
           </p:cNvPr>
@@ -1959,7 +1959,7 @@
           <a:p>
             <a:fld id="{7197974A-2564-4B50-81B9-7BC2278DE874}" type="datetimeFigureOut">
               <a:rPr lang="en-US" smtClean="0"/>
-              <a:t>2/5/2020</a:t>
+              <a:t>3/25/2020</a:t>
             </a:fld>
             <a:endParaRPr lang="en-US"/>
           </a:p>
@@ -1970,7 +1970,7 @@
           <p:cNvPr id="4" name="Footer Placeholder 3">
             <a:extLst>
               <a:ext uri="{FF2B5EF4-FFF2-40B4-BE49-F238E27FC236}">
-                <a16:creationId xmlns:a16="http://schemas.microsoft.com/office/drawing/2014/main" id="{6F8B5ACA-054E-4F2A-978F-02CD339612EC}"/>
+                <a16:creationId xmlns:a16="http://schemas.microsoft.com/office/drawing/2014/main" xmlns="" id="{6F8B5ACA-054E-4F2A-978F-02CD339612EC}"/>
               </a:ext>
             </a:extLst>
           </p:cNvPr>
@@ -1995,7 +1995,7 @@
           <p:cNvPr id="5" name="Slide Number Placeholder 4">
             <a:extLst>
               <a:ext uri="{FF2B5EF4-FFF2-40B4-BE49-F238E27FC236}">
-                <a16:creationId xmlns:a16="http://schemas.microsoft.com/office/drawing/2014/main" id="{29E04CC9-DC97-4E4A-A8BA-26EDF08762D5}"/>
+                <a16:creationId xmlns:a16="http://schemas.microsoft.com/office/drawing/2014/main" xmlns="" id="{29E04CC9-DC97-4E4A-A8BA-26EDF08762D5}"/>
               </a:ext>
             </a:extLst>
           </p:cNvPr>
@@ -2054,7 +2054,7 @@
           <p:cNvPr id="2" name="Date Placeholder 1">
             <a:extLst>
               <a:ext uri="{FF2B5EF4-FFF2-40B4-BE49-F238E27FC236}">
-                <a16:creationId xmlns:a16="http://schemas.microsoft.com/office/drawing/2014/main" id="{A0FEED20-8A96-436E-89BB-70A4CA27F220}"/>
+                <a16:creationId xmlns:a16="http://schemas.microsoft.com/office/drawing/2014/main" xmlns="" id="{A0FEED20-8A96-436E-89BB-70A4CA27F220}"/>
               </a:ext>
             </a:extLst>
           </p:cNvPr>
@@ -2072,7 +2072,7 @@
           <a:p>
             <a:fld id="{7197974A-2564-4B50-81B9-7BC2278DE874}" type="datetimeFigureOut">
               <a:rPr lang="en-US" smtClean="0"/>
-              <a:t>2/5/2020</a:t>
+              <a:t>3/25/2020</a:t>
             </a:fld>
             <a:endParaRPr lang="en-US"/>
           </a:p>
@@ -2083,7 +2083,7 @@
           <p:cNvPr id="3" name="Footer Placeholder 2">
             <a:extLst>
               <a:ext uri="{FF2B5EF4-FFF2-40B4-BE49-F238E27FC236}">
-                <a16:creationId xmlns:a16="http://schemas.microsoft.com/office/drawing/2014/main" id="{6B23FECA-B4EE-49D5-A0E9-821C1D3280E0}"/>
+                <a16:creationId xmlns:a16="http://schemas.microsoft.com/office/drawing/2014/main" xmlns="" id="{6B23FECA-B4EE-49D5-A0E9-821C1D3280E0}"/>
               </a:ext>
             </a:extLst>
           </p:cNvPr>
@@ -2108,7 +2108,7 @@
           <p:cNvPr id="4" name="Slide Number Placeholder 3">
             <a:extLst>
               <a:ext uri="{FF2B5EF4-FFF2-40B4-BE49-F238E27FC236}">
-                <a16:creationId xmlns:a16="http://schemas.microsoft.com/office/drawing/2014/main" id="{0E97C109-7202-4F66-9824-E958D6D48D72}"/>
+                <a16:creationId xmlns:a16="http://schemas.microsoft.com/office/drawing/2014/main" xmlns="" id="{0E97C109-7202-4F66-9824-E958D6D48D72}"/>
               </a:ext>
             </a:extLst>
           </p:cNvPr>
@@ -2167,7 +2167,7 @@
           <p:cNvPr id="2" name="Title 1">
             <a:extLst>
               <a:ext uri="{FF2B5EF4-FFF2-40B4-BE49-F238E27FC236}">
-                <a16:creationId xmlns:a16="http://schemas.microsoft.com/office/drawing/2014/main" id="{3062F37C-6FAE-4DCA-9AE5-8A261C894F9D}"/>
+                <a16:creationId xmlns:a16="http://schemas.microsoft.com/office/drawing/2014/main" xmlns="" id="{3062F37C-6FAE-4DCA-9AE5-8A261C894F9D}"/>
               </a:ext>
             </a:extLst>
           </p:cNvPr>
@@ -2204,7 +2204,7 @@
           <p:cNvPr id="3" name="Content Placeholder 2">
             <a:extLst>
               <a:ext uri="{FF2B5EF4-FFF2-40B4-BE49-F238E27FC236}">
-                <a16:creationId xmlns:a16="http://schemas.microsoft.com/office/drawing/2014/main" id="{9BB1C71F-236B-4E6A-B6E9-8A1E3F50A770}"/>
+                <a16:creationId xmlns:a16="http://schemas.microsoft.com/office/drawing/2014/main" xmlns="" id="{9BB1C71F-236B-4E6A-B6E9-8A1E3F50A770}"/>
               </a:ext>
             </a:extLst>
           </p:cNvPr>
@@ -2294,7 +2294,7 @@
           <p:cNvPr id="4" name="Text Placeholder 3">
             <a:extLst>
               <a:ext uri="{FF2B5EF4-FFF2-40B4-BE49-F238E27FC236}">
-                <a16:creationId xmlns:a16="http://schemas.microsoft.com/office/drawing/2014/main" id="{F7C04DBF-6274-4714-904C-B2AA7BF6F29B}"/>
+                <a16:creationId xmlns:a16="http://schemas.microsoft.com/office/drawing/2014/main" xmlns="" id="{F7C04DBF-6274-4714-904C-B2AA7BF6F29B}"/>
               </a:ext>
             </a:extLst>
           </p:cNvPr>
@@ -2365,7 +2365,7 @@
           <p:cNvPr id="5" name="Date Placeholder 4">
             <a:extLst>
               <a:ext uri="{FF2B5EF4-FFF2-40B4-BE49-F238E27FC236}">
-                <a16:creationId xmlns:a16="http://schemas.microsoft.com/office/drawing/2014/main" id="{63BD5931-890B-4318-9D19-7F89468F6F6E}"/>
+                <a16:creationId xmlns:a16="http://schemas.microsoft.com/office/drawing/2014/main" xmlns="" id="{63BD5931-890B-4318-9D19-7F89468F6F6E}"/>
               </a:ext>
             </a:extLst>
           </p:cNvPr>
@@ -2383,7 +2383,7 @@
           <a:p>
             <a:fld id="{7197974A-2564-4B50-81B9-7BC2278DE874}" type="datetimeFigureOut">
               <a:rPr lang="en-US" smtClean="0"/>
-              <a:t>2/5/2020</a:t>
+              <a:t>3/25/2020</a:t>
             </a:fld>
             <a:endParaRPr lang="en-US"/>
           </a:p>
@@ -2394,7 +2394,7 @@
           <p:cNvPr id="6" name="Footer Placeholder 5">
             <a:extLst>
               <a:ext uri="{FF2B5EF4-FFF2-40B4-BE49-F238E27FC236}">
-                <a16:creationId xmlns:a16="http://schemas.microsoft.com/office/drawing/2014/main" id="{934F0BFD-0096-4B4F-AF1A-A06B120AABCC}"/>
+                <a16:creationId xmlns:a16="http://schemas.microsoft.com/office/drawing/2014/main" xmlns="" id="{934F0BFD-0096-4B4F-AF1A-A06B120AABCC}"/>
               </a:ext>
             </a:extLst>
           </p:cNvPr>
@@ -2419,7 +2419,7 @@
           <p:cNvPr id="7" name="Slide Number Placeholder 6">
             <a:extLst>
               <a:ext uri="{FF2B5EF4-FFF2-40B4-BE49-F238E27FC236}">
-                <a16:creationId xmlns:a16="http://schemas.microsoft.com/office/drawing/2014/main" id="{BC83CB00-2CF6-4EF5-9097-F449130F020A}"/>
+                <a16:creationId xmlns:a16="http://schemas.microsoft.com/office/drawing/2014/main" xmlns="" id="{BC83CB00-2CF6-4EF5-9097-F449130F020A}"/>
               </a:ext>
             </a:extLst>
           </p:cNvPr>
@@ -2478,7 +2478,7 @@
           <p:cNvPr id="2" name="Title 1">
             <a:extLst>
               <a:ext uri="{FF2B5EF4-FFF2-40B4-BE49-F238E27FC236}">
-                <a16:creationId xmlns:a16="http://schemas.microsoft.com/office/drawing/2014/main" id="{200A4D44-18B4-441A-9212-390B30D9BF3C}"/>
+                <a16:creationId xmlns:a16="http://schemas.microsoft.com/office/drawing/2014/main" xmlns="" id="{200A4D44-18B4-441A-9212-390B30D9BF3C}"/>
               </a:ext>
             </a:extLst>
           </p:cNvPr>
@@ -2515,7 +2515,7 @@
           <p:cNvPr id="3" name="Picture Placeholder 2">
             <a:extLst>
               <a:ext uri="{FF2B5EF4-FFF2-40B4-BE49-F238E27FC236}">
-                <a16:creationId xmlns:a16="http://schemas.microsoft.com/office/drawing/2014/main" id="{66C35DA0-3892-44F7-8A09-33E21008C46B}"/>
+                <a16:creationId xmlns:a16="http://schemas.microsoft.com/office/drawing/2014/main" xmlns="" id="{66C35DA0-3892-44F7-8A09-33E21008C46B}"/>
               </a:ext>
             </a:extLst>
           </p:cNvPr>
@@ -2582,7 +2582,7 @@
           <p:cNvPr id="4" name="Text Placeholder 3">
             <a:extLst>
               <a:ext uri="{FF2B5EF4-FFF2-40B4-BE49-F238E27FC236}">
-                <a16:creationId xmlns:a16="http://schemas.microsoft.com/office/drawing/2014/main" id="{86944580-4807-4EDC-B22F-953EA237BC0C}"/>
+                <a16:creationId xmlns:a16="http://schemas.microsoft.com/office/drawing/2014/main" xmlns="" id="{86944580-4807-4EDC-B22F-953EA237BC0C}"/>
               </a:ext>
             </a:extLst>
           </p:cNvPr>
@@ -2653,7 +2653,7 @@
           <p:cNvPr id="5" name="Date Placeholder 4">
             <a:extLst>
               <a:ext uri="{FF2B5EF4-FFF2-40B4-BE49-F238E27FC236}">
-                <a16:creationId xmlns:a16="http://schemas.microsoft.com/office/drawing/2014/main" id="{06E5F1B2-8ABB-4073-B5D3-515D4213974A}"/>
+                <a16:creationId xmlns:a16="http://schemas.microsoft.com/office/drawing/2014/main" xmlns="" id="{06E5F1B2-8ABB-4073-B5D3-515D4213974A}"/>
               </a:ext>
             </a:extLst>
           </p:cNvPr>
@@ -2671,7 +2671,7 @@
           <a:p>
             <a:fld id="{7197974A-2564-4B50-81B9-7BC2278DE874}" type="datetimeFigureOut">
               <a:rPr lang="en-US" smtClean="0"/>
-              <a:t>2/5/2020</a:t>
+              <a:t>3/25/2020</a:t>
             </a:fld>
             <a:endParaRPr lang="en-US"/>
           </a:p>
@@ -2682,7 +2682,7 @@
           <p:cNvPr id="6" name="Footer Placeholder 5">
             <a:extLst>
               <a:ext uri="{FF2B5EF4-FFF2-40B4-BE49-F238E27FC236}">
-                <a16:creationId xmlns:a16="http://schemas.microsoft.com/office/drawing/2014/main" id="{6E2294D1-2EE8-4C32-BA71-3FE9CF5A7C0E}"/>
+                <a16:creationId xmlns:a16="http://schemas.microsoft.com/office/drawing/2014/main" xmlns="" id="{6E2294D1-2EE8-4C32-BA71-3FE9CF5A7C0E}"/>
               </a:ext>
             </a:extLst>
           </p:cNvPr>
@@ -2707,7 +2707,7 @@
           <p:cNvPr id="7" name="Slide Number Placeholder 6">
             <a:extLst>
               <a:ext uri="{FF2B5EF4-FFF2-40B4-BE49-F238E27FC236}">
-                <a16:creationId xmlns:a16="http://schemas.microsoft.com/office/drawing/2014/main" id="{26D1822F-F0BC-4D13-B0B1-933B6F302ABB}"/>
+                <a16:creationId xmlns:a16="http://schemas.microsoft.com/office/drawing/2014/main" xmlns="" id="{26D1822F-F0BC-4D13-B0B1-933B6F302ABB}"/>
               </a:ext>
             </a:extLst>
           </p:cNvPr>
@@ -2771,7 +2771,7 @@
           <p:cNvPr id="2" name="Title Placeholder 1">
             <a:extLst>
               <a:ext uri="{FF2B5EF4-FFF2-40B4-BE49-F238E27FC236}">
-                <a16:creationId xmlns:a16="http://schemas.microsoft.com/office/drawing/2014/main" id="{8E94286B-A963-4EC5-884A-6F8C1C379A53}"/>
+                <a16:creationId xmlns:a16="http://schemas.microsoft.com/office/drawing/2014/main" xmlns="" id="{8E94286B-A963-4EC5-884A-6F8C1C379A53}"/>
               </a:ext>
             </a:extLst>
           </p:cNvPr>
@@ -2809,7 +2809,7 @@
           <p:cNvPr id="3" name="Text Placeholder 2">
             <a:extLst>
               <a:ext uri="{FF2B5EF4-FFF2-40B4-BE49-F238E27FC236}">
-                <a16:creationId xmlns:a16="http://schemas.microsoft.com/office/drawing/2014/main" id="{D803B93E-2E99-434E-87B5-32BB11BBDE53}"/>
+                <a16:creationId xmlns:a16="http://schemas.microsoft.com/office/drawing/2014/main" xmlns="" id="{D803B93E-2E99-434E-87B5-32BB11BBDE53}"/>
               </a:ext>
             </a:extLst>
           </p:cNvPr>
@@ -2876,7 +2876,7 @@
           <p:cNvPr id="4" name="Date Placeholder 3">
             <a:extLst>
               <a:ext uri="{FF2B5EF4-FFF2-40B4-BE49-F238E27FC236}">
-                <a16:creationId xmlns:a16="http://schemas.microsoft.com/office/drawing/2014/main" id="{3DABC301-FB29-491D-B6B8-00980411B5A2}"/>
+                <a16:creationId xmlns:a16="http://schemas.microsoft.com/office/drawing/2014/main" xmlns="" id="{3DABC301-FB29-491D-B6B8-00980411B5A2}"/>
               </a:ext>
             </a:extLst>
           </p:cNvPr>
@@ -2912,7 +2912,7 @@
           <a:p>
             <a:fld id="{7197974A-2564-4B50-81B9-7BC2278DE874}" type="datetimeFigureOut">
               <a:rPr lang="en-US" smtClean="0"/>
-              <a:t>2/5/2020</a:t>
+              <a:t>3/25/2020</a:t>
             </a:fld>
             <a:endParaRPr lang="en-US"/>
           </a:p>
@@ -2923,7 +2923,7 @@
           <p:cNvPr id="5" name="Footer Placeholder 4">
             <a:extLst>
               <a:ext uri="{FF2B5EF4-FFF2-40B4-BE49-F238E27FC236}">
-                <a16:creationId xmlns:a16="http://schemas.microsoft.com/office/drawing/2014/main" id="{44479BAC-D96D-404A-A246-93F93274D9AF}"/>
+                <a16:creationId xmlns:a16="http://schemas.microsoft.com/office/drawing/2014/main" xmlns="" id="{44479BAC-D96D-404A-A246-93F93274D9AF}"/>
               </a:ext>
             </a:extLst>
           </p:cNvPr>
@@ -2966,7 +2966,7 @@
           <p:cNvPr id="6" name="Slide Number Placeholder 5">
             <a:extLst>
               <a:ext uri="{FF2B5EF4-FFF2-40B4-BE49-F238E27FC236}">
-                <a16:creationId xmlns:a16="http://schemas.microsoft.com/office/drawing/2014/main" id="{7038C0E9-2F10-43B8-A820-102CC4960E67}"/>
+                <a16:creationId xmlns:a16="http://schemas.microsoft.com/office/drawing/2014/main" xmlns="" id="{7038C0E9-2F10-43B8-A820-102CC4960E67}"/>
               </a:ext>
             </a:extLst>
           </p:cNvPr>
@@ -3334,7 +3334,7 @@
           <p:cNvPr id="4" name="Group 3">
             <a:extLst>
               <a:ext uri="{FF2B5EF4-FFF2-40B4-BE49-F238E27FC236}">
-                <a16:creationId xmlns:a16="http://schemas.microsoft.com/office/drawing/2014/main" id="{BB66ED89-C516-4F26-84C9-CB43A7B39DB1}"/>
+                <a16:creationId xmlns:a16="http://schemas.microsoft.com/office/drawing/2014/main" xmlns="" id="{BB66ED89-C516-4F26-84C9-CB43A7B39DB1}"/>
               </a:ext>
             </a:extLst>
           </p:cNvPr>
@@ -3354,7 +3354,7 @@
             <p:cNvPr id="5" name="Group 4">
               <a:extLst>
                 <a:ext uri="{FF2B5EF4-FFF2-40B4-BE49-F238E27FC236}">
-                  <a16:creationId xmlns:a16="http://schemas.microsoft.com/office/drawing/2014/main" id="{EA10E17D-0A67-4173-BB0B-7C340757CF21}"/>
+                  <a16:creationId xmlns:a16="http://schemas.microsoft.com/office/drawing/2014/main" xmlns="" id="{EA10E17D-0A67-4173-BB0B-7C340757CF21}"/>
                 </a:ext>
               </a:extLst>
             </p:cNvPr>
@@ -3374,7 +3374,7 @@
               <p:cNvPr id="7" name="Graphic 6" descr="Contract">
                 <a:extLst>
                   <a:ext uri="{FF2B5EF4-FFF2-40B4-BE49-F238E27FC236}">
-                    <a16:creationId xmlns:a16="http://schemas.microsoft.com/office/drawing/2014/main" id="{45193962-FA9D-45F1-9030-657E4D966944}"/>
+                    <a16:creationId xmlns:a16="http://schemas.microsoft.com/office/drawing/2014/main" xmlns="" id="{45193962-FA9D-45F1-9030-657E4D966944}"/>
                   </a:ext>
                 </a:extLst>
               </p:cNvPr>
@@ -3384,13 +3384,13 @@
               <p:nvPr/>
             </p:nvPicPr>
             <p:blipFill>
-              <a:blip r:embed="rId2">
+              <a:blip r:embed="rId2" cstate="print">
                 <a:extLst>
                   <a:ext uri="{28A0092B-C50C-407E-A947-70E740481C1C}">
                     <a14:useLocalDpi xmlns:a14="http://schemas.microsoft.com/office/drawing/2010/main" val="0"/>
                   </a:ext>
                   <a:ext uri="{96DAC541-7B7A-43D3-8B79-37D633B846F1}">
-                    <asvg:svgBlip xmlns:asvg="http://schemas.microsoft.com/office/drawing/2016/SVG/main" r:embed="rId3"/>
+                    <asvg:svgBlip xmlns:asvg="http://schemas.microsoft.com/office/drawing/2016/SVG/main" xmlns="" r:embed="rId3"/>
                   </a:ext>
                 </a:extLst>
               </a:blip>
@@ -3413,7 +3413,7 @@
               <p:cNvPr id="8" name="Graphic 7" descr="Paperclip">
                 <a:extLst>
                   <a:ext uri="{FF2B5EF4-FFF2-40B4-BE49-F238E27FC236}">
-                    <a16:creationId xmlns:a16="http://schemas.microsoft.com/office/drawing/2014/main" id="{B726B271-4551-44E8-B230-FB7171E64669}"/>
+                    <a16:creationId xmlns:a16="http://schemas.microsoft.com/office/drawing/2014/main" xmlns="" id="{B726B271-4551-44E8-B230-FB7171E64669}"/>
                   </a:ext>
                 </a:extLst>
               </p:cNvPr>
@@ -3423,13 +3423,13 @@
               <p:nvPr/>
             </p:nvPicPr>
             <p:blipFill>
-              <a:blip r:embed="rId4">
+              <a:blip r:embed="rId4" cstate="print">
                 <a:extLst>
                   <a:ext uri="{28A0092B-C50C-407E-A947-70E740481C1C}">
                     <a14:useLocalDpi xmlns:a14="http://schemas.microsoft.com/office/drawing/2010/main" val="0"/>
                   </a:ext>
                   <a:ext uri="{96DAC541-7B7A-43D3-8B79-37D633B846F1}">
-                    <asvg:svgBlip xmlns:asvg="http://schemas.microsoft.com/office/drawing/2016/SVG/main" r:embed="rId5"/>
+                    <asvg:svgBlip xmlns:asvg="http://schemas.microsoft.com/office/drawing/2016/SVG/main" xmlns="" r:embed="rId5"/>
                   </a:ext>
                 </a:extLst>
               </a:blip>
@@ -3453,7 +3453,7 @@
             <p:cNvPr id="6" name="TextBox 5">
               <a:extLst>
                 <a:ext uri="{FF2B5EF4-FFF2-40B4-BE49-F238E27FC236}">
-                  <a16:creationId xmlns:a16="http://schemas.microsoft.com/office/drawing/2014/main" id="{A77CF43B-C71C-4E49-BA66-4F586D1E53EA}"/>
+                  <a16:creationId xmlns:a16="http://schemas.microsoft.com/office/drawing/2014/main" xmlns="" id="{A77CF43B-C71C-4E49-BA66-4F586D1E53EA}"/>
                 </a:ext>
               </a:extLst>
             </p:cNvPr>
@@ -3491,7 +3491,7 @@
           <p:cNvPr id="9" name="Group 8">
             <a:extLst>
               <a:ext uri="{FF2B5EF4-FFF2-40B4-BE49-F238E27FC236}">
-                <a16:creationId xmlns:a16="http://schemas.microsoft.com/office/drawing/2014/main" id="{617D0470-8EE9-4755-BF06-A88087A562D9}"/>
+                <a16:creationId xmlns:a16="http://schemas.microsoft.com/office/drawing/2014/main" xmlns="" id="{617D0470-8EE9-4755-BF06-A88087A562D9}"/>
               </a:ext>
             </a:extLst>
           </p:cNvPr>
@@ -3511,7 +3511,7 @@
             <p:cNvPr id="10" name="Group 9">
               <a:extLst>
                 <a:ext uri="{FF2B5EF4-FFF2-40B4-BE49-F238E27FC236}">
-                  <a16:creationId xmlns:a16="http://schemas.microsoft.com/office/drawing/2014/main" id="{D55A490E-F7CA-411B-910F-13BC62A6A0BC}"/>
+                  <a16:creationId xmlns:a16="http://schemas.microsoft.com/office/drawing/2014/main" xmlns="" id="{D55A490E-F7CA-411B-910F-13BC62A6A0BC}"/>
                 </a:ext>
               </a:extLst>
             </p:cNvPr>
@@ -3531,7 +3531,7 @@
               <p:cNvPr id="12" name="Graphic 11" descr="Contract">
                 <a:extLst>
                   <a:ext uri="{FF2B5EF4-FFF2-40B4-BE49-F238E27FC236}">
-                    <a16:creationId xmlns:a16="http://schemas.microsoft.com/office/drawing/2014/main" id="{B9DCCB8B-4695-4BB8-B169-0884BD77192C}"/>
+                    <a16:creationId xmlns:a16="http://schemas.microsoft.com/office/drawing/2014/main" xmlns="" id="{B9DCCB8B-4695-4BB8-B169-0884BD77192C}"/>
                   </a:ext>
                 </a:extLst>
               </p:cNvPr>
@@ -3541,13 +3541,13 @@
               <p:nvPr/>
             </p:nvPicPr>
             <p:blipFill>
-              <a:blip r:embed="rId2">
+              <a:blip r:embed="rId2" cstate="print">
                 <a:extLst>
                   <a:ext uri="{28A0092B-C50C-407E-A947-70E740481C1C}">
                     <a14:useLocalDpi xmlns:a14="http://schemas.microsoft.com/office/drawing/2010/main" val="0"/>
                   </a:ext>
                   <a:ext uri="{96DAC541-7B7A-43D3-8B79-37D633B846F1}">
-                    <asvg:svgBlip xmlns:asvg="http://schemas.microsoft.com/office/drawing/2016/SVG/main" r:embed="rId3"/>
+                    <asvg:svgBlip xmlns:asvg="http://schemas.microsoft.com/office/drawing/2016/SVG/main" xmlns="" r:embed="rId3"/>
                   </a:ext>
                 </a:extLst>
               </a:blip>
@@ -3570,7 +3570,7 @@
               <p:cNvPr id="13" name="Graphic 12" descr="Paperclip">
                 <a:extLst>
                   <a:ext uri="{FF2B5EF4-FFF2-40B4-BE49-F238E27FC236}">
-                    <a16:creationId xmlns:a16="http://schemas.microsoft.com/office/drawing/2014/main" id="{6B30BE3C-0F5B-4875-824E-A77D5E850288}"/>
+                    <a16:creationId xmlns:a16="http://schemas.microsoft.com/office/drawing/2014/main" xmlns="" id="{6B30BE3C-0F5B-4875-824E-A77D5E850288}"/>
                   </a:ext>
                 </a:extLst>
               </p:cNvPr>
@@ -3580,13 +3580,13 @@
               <p:nvPr/>
             </p:nvPicPr>
             <p:blipFill>
-              <a:blip r:embed="rId4">
+              <a:blip r:embed="rId4" cstate="print">
                 <a:extLst>
                   <a:ext uri="{28A0092B-C50C-407E-A947-70E740481C1C}">
                     <a14:useLocalDpi xmlns:a14="http://schemas.microsoft.com/office/drawing/2010/main" val="0"/>
                   </a:ext>
                   <a:ext uri="{96DAC541-7B7A-43D3-8B79-37D633B846F1}">
-                    <asvg:svgBlip xmlns:asvg="http://schemas.microsoft.com/office/drawing/2016/SVG/main" r:embed="rId5"/>
+                    <asvg:svgBlip xmlns:asvg="http://schemas.microsoft.com/office/drawing/2016/SVG/main" xmlns="" r:embed="rId5"/>
                   </a:ext>
                 </a:extLst>
               </a:blip>
@@ -3610,7 +3610,7 @@
             <p:cNvPr id="11" name="TextBox 10">
               <a:extLst>
                 <a:ext uri="{FF2B5EF4-FFF2-40B4-BE49-F238E27FC236}">
-                  <a16:creationId xmlns:a16="http://schemas.microsoft.com/office/drawing/2014/main" id="{5AD44E87-BAAB-4123-889B-CD35E54B7CD8}"/>
+                  <a16:creationId xmlns:a16="http://schemas.microsoft.com/office/drawing/2014/main" xmlns="" id="{5AD44E87-BAAB-4123-889B-CD35E54B7CD8}"/>
                 </a:ext>
               </a:extLst>
             </p:cNvPr>
@@ -3655,7 +3655,7 @@
           <p:cNvPr id="29" name="Group 28">
             <a:extLst>
               <a:ext uri="{FF2B5EF4-FFF2-40B4-BE49-F238E27FC236}">
-                <a16:creationId xmlns:a16="http://schemas.microsoft.com/office/drawing/2014/main" id="{3CA66550-D272-4F54-8CF0-C6D1CC653797}"/>
+                <a16:creationId xmlns:a16="http://schemas.microsoft.com/office/drawing/2014/main" xmlns="" id="{3CA66550-D272-4F54-8CF0-C6D1CC653797}"/>
               </a:ext>
             </a:extLst>
           </p:cNvPr>
@@ -3675,7 +3675,7 @@
             <p:cNvPr id="17" name="Picture 16" descr="A stop sign&#10;&#10;Description generated with high confidence">
               <a:extLst>
                 <a:ext uri="{FF2B5EF4-FFF2-40B4-BE49-F238E27FC236}">
-                  <a16:creationId xmlns:a16="http://schemas.microsoft.com/office/drawing/2014/main" id="{55840299-CC03-4677-A8BA-FBD123431B29}"/>
+                  <a16:creationId xmlns:a16="http://schemas.microsoft.com/office/drawing/2014/main" xmlns="" id="{55840299-CC03-4677-A8BA-FBD123431B29}"/>
                 </a:ext>
               </a:extLst>
             </p:cNvPr>
@@ -3685,7 +3685,7 @@
             <p:nvPr/>
           </p:nvPicPr>
           <p:blipFill>
-            <a:blip r:embed="rId6">
+            <a:blip r:embed="rId6" cstate="print">
               <a:extLst>
                 <a:ext uri="{28A0092B-C50C-407E-A947-70E740481C1C}">
                   <a14:useLocalDpi xmlns:a14="http://schemas.microsoft.com/office/drawing/2010/main" val="0"/>
@@ -3711,7 +3711,7 @@
             <p:cNvPr id="26" name="TextBox 25">
               <a:extLst>
                 <a:ext uri="{FF2B5EF4-FFF2-40B4-BE49-F238E27FC236}">
-                  <a16:creationId xmlns:a16="http://schemas.microsoft.com/office/drawing/2014/main" id="{BB82A25B-4290-4F26-B6A0-DE277E58056F}"/>
+                  <a16:creationId xmlns:a16="http://schemas.microsoft.com/office/drawing/2014/main" xmlns="" id="{BB82A25B-4290-4F26-B6A0-DE277E58056F}"/>
                 </a:ext>
               </a:extLst>
             </p:cNvPr>
@@ -3749,7 +3749,7 @@
           <p:cNvPr id="28" name="Group 27">
             <a:extLst>
               <a:ext uri="{FF2B5EF4-FFF2-40B4-BE49-F238E27FC236}">
-                <a16:creationId xmlns:a16="http://schemas.microsoft.com/office/drawing/2014/main" id="{8A2D8B15-D81B-4F74-A31B-966F47F07FE0}"/>
+                <a16:creationId xmlns:a16="http://schemas.microsoft.com/office/drawing/2014/main" xmlns="" id="{8A2D8B15-D81B-4F74-A31B-966F47F07FE0}"/>
               </a:ext>
             </a:extLst>
           </p:cNvPr>
@@ -3769,7 +3769,7 @@
             <p:cNvPr id="15" name="Picture 14">
               <a:extLst>
                 <a:ext uri="{FF2B5EF4-FFF2-40B4-BE49-F238E27FC236}">
-                  <a16:creationId xmlns:a16="http://schemas.microsoft.com/office/drawing/2014/main" id="{B3B0C049-1A82-4EBA-8A06-5694DEFB7635}"/>
+                  <a16:creationId xmlns:a16="http://schemas.microsoft.com/office/drawing/2014/main" xmlns="" id="{B3B0C049-1A82-4EBA-8A06-5694DEFB7635}"/>
                 </a:ext>
               </a:extLst>
             </p:cNvPr>
@@ -3779,7 +3779,7 @@
             <p:nvPr/>
           </p:nvPicPr>
           <p:blipFill>
-            <a:blip r:embed="rId7">
+            <a:blip r:embed="rId7" cstate="print">
               <a:extLst>
                 <a:ext uri="{28A0092B-C50C-407E-A947-70E740481C1C}">
                   <a14:useLocalDpi xmlns:a14="http://schemas.microsoft.com/office/drawing/2010/main" val="0"/>
@@ -3805,7 +3805,7 @@
             <p:cNvPr id="27" name="TextBox 26">
               <a:extLst>
                 <a:ext uri="{FF2B5EF4-FFF2-40B4-BE49-F238E27FC236}">
-                  <a16:creationId xmlns:a16="http://schemas.microsoft.com/office/drawing/2014/main" id="{2097523E-2B0E-491F-8BC1-84B9A489E2CE}"/>
+                  <a16:creationId xmlns:a16="http://schemas.microsoft.com/office/drawing/2014/main" xmlns="" id="{2097523E-2B0E-491F-8BC1-84B9A489E2CE}"/>
                 </a:ext>
               </a:extLst>
             </p:cNvPr>
@@ -3843,7 +3843,7 @@
           <p:cNvPr id="23" name="Group 22">
             <a:extLst>
               <a:ext uri="{FF2B5EF4-FFF2-40B4-BE49-F238E27FC236}">
-                <a16:creationId xmlns:a16="http://schemas.microsoft.com/office/drawing/2014/main" id="{5CAF17A7-E2E4-4223-84C7-5785E21350F8}"/>
+                <a16:creationId xmlns:a16="http://schemas.microsoft.com/office/drawing/2014/main" xmlns="" id="{5CAF17A7-E2E4-4223-84C7-5785E21350F8}"/>
               </a:ext>
             </a:extLst>
           </p:cNvPr>
@@ -3863,7 +3863,7 @@
             <p:cNvPr id="19" name="Picture 18">
               <a:extLst>
                 <a:ext uri="{FF2B5EF4-FFF2-40B4-BE49-F238E27FC236}">
-                  <a16:creationId xmlns:a16="http://schemas.microsoft.com/office/drawing/2014/main" id="{EB89CC9B-4D3E-4B2E-87D6-4CB51E5CC7B0}"/>
+                  <a16:creationId xmlns:a16="http://schemas.microsoft.com/office/drawing/2014/main" xmlns="" id="{EB89CC9B-4D3E-4B2E-87D6-4CB51E5CC7B0}"/>
                 </a:ext>
               </a:extLst>
             </p:cNvPr>
@@ -3873,7 +3873,7 @@
             <p:nvPr/>
           </p:nvPicPr>
           <p:blipFill>
-            <a:blip r:embed="rId8">
+            <a:blip r:embed="rId8" cstate="print">
               <a:extLst>
                 <a:ext uri="{28A0092B-C50C-407E-A947-70E740481C1C}">
                   <a14:useLocalDpi xmlns:a14="http://schemas.microsoft.com/office/drawing/2010/main" val="0"/>
@@ -3899,7 +3899,7 @@
             <p:cNvPr id="22" name="TextBox 21">
               <a:extLst>
                 <a:ext uri="{FF2B5EF4-FFF2-40B4-BE49-F238E27FC236}">
-                  <a16:creationId xmlns:a16="http://schemas.microsoft.com/office/drawing/2014/main" id="{DBBD57A0-3939-4B4E-AE9C-C348249B6FB0}"/>
+                  <a16:creationId xmlns:a16="http://schemas.microsoft.com/office/drawing/2014/main" xmlns="" id="{DBBD57A0-3939-4B4E-AE9C-C348249B6FB0}"/>
                 </a:ext>
               </a:extLst>
             </p:cNvPr>
@@ -3952,7 +3952,7 @@
           <p:cNvPr id="71" name="Group 70">
             <a:extLst>
               <a:ext uri="{FF2B5EF4-FFF2-40B4-BE49-F238E27FC236}">
-                <a16:creationId xmlns:a16="http://schemas.microsoft.com/office/drawing/2014/main" id="{2C5B94A0-D656-499F-BB00-041FE5F46354}"/>
+                <a16:creationId xmlns:a16="http://schemas.microsoft.com/office/drawing/2014/main" xmlns="" id="{2C5B94A0-D656-499F-BB00-041FE5F46354}"/>
               </a:ext>
             </a:extLst>
           </p:cNvPr>
@@ -3972,7 +3972,7 @@
             <p:cNvPr id="38" name="Picture 37" descr="A close up of a logo&#10;&#10;Description generated with high confidence">
               <a:extLst>
                 <a:ext uri="{FF2B5EF4-FFF2-40B4-BE49-F238E27FC236}">
-                  <a16:creationId xmlns:a16="http://schemas.microsoft.com/office/drawing/2014/main" id="{9C693635-2A1E-443B-9323-D1AA30972D9F}"/>
+                  <a16:creationId xmlns:a16="http://schemas.microsoft.com/office/drawing/2014/main" xmlns="" id="{9C693635-2A1E-443B-9323-D1AA30972D9F}"/>
                 </a:ext>
               </a:extLst>
             </p:cNvPr>
@@ -3982,7 +3982,7 @@
             <p:nvPr/>
           </p:nvPicPr>
           <p:blipFill>
-            <a:blip r:embed="rId9">
+            <a:blip r:embed="rId9" cstate="print">
               <a:extLst>
                 <a:ext uri="{28A0092B-C50C-407E-A947-70E740481C1C}">
                   <a14:useLocalDpi xmlns:a14="http://schemas.microsoft.com/office/drawing/2010/main" val="0"/>
@@ -4008,7 +4008,7 @@
             <p:cNvPr id="39" name="TextBox 38">
               <a:extLst>
                 <a:ext uri="{FF2B5EF4-FFF2-40B4-BE49-F238E27FC236}">
-                  <a16:creationId xmlns:a16="http://schemas.microsoft.com/office/drawing/2014/main" id="{788B270F-9212-43CD-8EC8-548BF3CBE899}"/>
+                  <a16:creationId xmlns:a16="http://schemas.microsoft.com/office/drawing/2014/main" xmlns="" id="{788B270F-9212-43CD-8EC8-548BF3CBE899}"/>
                 </a:ext>
               </a:extLst>
             </p:cNvPr>
@@ -4046,7 +4046,7 @@
           <p:cNvPr id="52" name="Connector: Curved 51">
             <a:extLst>
               <a:ext uri="{FF2B5EF4-FFF2-40B4-BE49-F238E27FC236}">
-                <a16:creationId xmlns:a16="http://schemas.microsoft.com/office/drawing/2014/main" id="{3608F0B2-755E-452D-B046-9F029265680E}"/>
+                <a16:creationId xmlns:a16="http://schemas.microsoft.com/office/drawing/2014/main" xmlns="" id="{3608F0B2-755E-452D-B046-9F029265680E}"/>
               </a:ext>
             </a:extLst>
           </p:cNvPr>
@@ -4088,7 +4088,7 @@
           <p:cNvPr id="54" name="Connector: Curved 53">
             <a:extLst>
               <a:ext uri="{FF2B5EF4-FFF2-40B4-BE49-F238E27FC236}">
-                <a16:creationId xmlns:a16="http://schemas.microsoft.com/office/drawing/2014/main" id="{615D7B35-A9F1-4983-B8CA-9D03DF1779AA}"/>
+                <a16:creationId xmlns:a16="http://schemas.microsoft.com/office/drawing/2014/main" xmlns="" id="{615D7B35-A9F1-4983-B8CA-9D03DF1779AA}"/>
               </a:ext>
             </a:extLst>
           </p:cNvPr>
@@ -4129,7 +4129,7 @@
           <p:cNvPr id="56" name="Straight Arrow Connector 55">
             <a:extLst>
               <a:ext uri="{FF2B5EF4-FFF2-40B4-BE49-F238E27FC236}">
-                <a16:creationId xmlns:a16="http://schemas.microsoft.com/office/drawing/2014/main" id="{B8245FCA-1C32-4544-BBAC-1953D513ECFF}"/>
+                <a16:creationId xmlns:a16="http://schemas.microsoft.com/office/drawing/2014/main" xmlns="" id="{B8245FCA-1C32-4544-BBAC-1953D513ECFF}"/>
               </a:ext>
             </a:extLst>
           </p:cNvPr>
@@ -4172,7 +4172,7 @@
           <p:cNvPr id="58" name="Straight Arrow Connector 57">
             <a:extLst>
               <a:ext uri="{FF2B5EF4-FFF2-40B4-BE49-F238E27FC236}">
-                <a16:creationId xmlns:a16="http://schemas.microsoft.com/office/drawing/2014/main" id="{00C5EBA6-7E65-4498-A996-E993DA679DC6}"/>
+                <a16:creationId xmlns:a16="http://schemas.microsoft.com/office/drawing/2014/main" xmlns="" id="{00C5EBA6-7E65-4498-A996-E993DA679DC6}"/>
               </a:ext>
             </a:extLst>
           </p:cNvPr>
@@ -4215,7 +4215,7 @@
           <p:cNvPr id="62" name="Connector: Elbow 61">
             <a:extLst>
               <a:ext uri="{FF2B5EF4-FFF2-40B4-BE49-F238E27FC236}">
-                <a16:creationId xmlns:a16="http://schemas.microsoft.com/office/drawing/2014/main" id="{0F83BB4C-1A87-4748-A8C3-69FCB73D9F68}"/>
+                <a16:creationId xmlns:a16="http://schemas.microsoft.com/office/drawing/2014/main" xmlns="" id="{0F83BB4C-1A87-4748-A8C3-69FCB73D9F68}"/>
               </a:ext>
             </a:extLst>
           </p:cNvPr>
@@ -4260,7 +4260,7 @@
           <p:cNvPr id="69" name="Connector: Elbow 68">
             <a:extLst>
               <a:ext uri="{FF2B5EF4-FFF2-40B4-BE49-F238E27FC236}">
-                <a16:creationId xmlns:a16="http://schemas.microsoft.com/office/drawing/2014/main" id="{1FBC3263-8A23-4E00-A9B7-FC42ED882FFF}"/>
+                <a16:creationId xmlns:a16="http://schemas.microsoft.com/office/drawing/2014/main" xmlns="" id="{1FBC3263-8A23-4E00-A9B7-FC42ED882FFF}"/>
               </a:ext>
             </a:extLst>
           </p:cNvPr>
@@ -4310,7 +4310,7 @@
           <p:cNvPr id="70" name="TextBox 69">
             <a:extLst>
               <a:ext uri="{FF2B5EF4-FFF2-40B4-BE49-F238E27FC236}">
-                <a16:creationId xmlns:a16="http://schemas.microsoft.com/office/drawing/2014/main" id="{F2D73FEB-F080-450B-BEC3-4BDB344FB893}"/>
+                <a16:creationId xmlns:a16="http://schemas.microsoft.com/office/drawing/2014/main" xmlns="" id="{F2D73FEB-F080-450B-BEC3-4BDB344FB893}"/>
               </a:ext>
             </a:extLst>
           </p:cNvPr>
@@ -4345,7 +4345,7 @@
           <p:cNvPr id="73" name="Connector: Elbow 72">
             <a:extLst>
               <a:ext uri="{FF2B5EF4-FFF2-40B4-BE49-F238E27FC236}">
-                <a16:creationId xmlns:a16="http://schemas.microsoft.com/office/drawing/2014/main" id="{6B20EF20-2548-4FDA-B36E-1D87E88252DB}"/>
+                <a16:creationId xmlns:a16="http://schemas.microsoft.com/office/drawing/2014/main" xmlns="" id="{6B20EF20-2548-4FDA-B36E-1D87E88252DB}"/>
               </a:ext>
             </a:extLst>
           </p:cNvPr>
@@ -4389,7 +4389,7 @@
           <p:cNvPr id="96" name="TextBox 95">
             <a:extLst>
               <a:ext uri="{FF2B5EF4-FFF2-40B4-BE49-F238E27FC236}">
-                <a16:creationId xmlns:a16="http://schemas.microsoft.com/office/drawing/2014/main" id="{FE32C400-3862-4451-B383-DA516B5484C3}"/>
+                <a16:creationId xmlns:a16="http://schemas.microsoft.com/office/drawing/2014/main" xmlns="" id="{FE32C400-3862-4451-B383-DA516B5484C3}"/>
               </a:ext>
             </a:extLst>
           </p:cNvPr>
@@ -4431,7 +4431,7 @@
           <p:cNvPr id="97" name="TextBox 96">
             <a:extLst>
               <a:ext uri="{FF2B5EF4-FFF2-40B4-BE49-F238E27FC236}">
-                <a16:creationId xmlns:a16="http://schemas.microsoft.com/office/drawing/2014/main" id="{539CCB79-F678-4304-A982-D5D7B7291780}"/>
+                <a16:creationId xmlns:a16="http://schemas.microsoft.com/office/drawing/2014/main" xmlns="" id="{539CCB79-F678-4304-A982-D5D7B7291780}"/>
               </a:ext>
             </a:extLst>
           </p:cNvPr>
@@ -4470,7 +4470,7 @@
           <p:cNvPr id="55" name="Straight Arrow Connector 54">
             <a:extLst>
               <a:ext uri="{FF2B5EF4-FFF2-40B4-BE49-F238E27FC236}">
-                <a16:creationId xmlns:a16="http://schemas.microsoft.com/office/drawing/2014/main" id="{FD5C17BB-0A9B-49E3-BD77-B002AE6936CE}"/>
+                <a16:creationId xmlns:a16="http://schemas.microsoft.com/office/drawing/2014/main" xmlns="" id="{FD5C17BB-0A9B-49E3-BD77-B002AE6936CE}"/>
               </a:ext>
             </a:extLst>
           </p:cNvPr>
@@ -4513,7 +4513,7 @@
           <p:cNvPr id="31" name="Group 30">
             <a:extLst>
               <a:ext uri="{FF2B5EF4-FFF2-40B4-BE49-F238E27FC236}">
-                <a16:creationId xmlns:a16="http://schemas.microsoft.com/office/drawing/2014/main" id="{03A8DBB8-AAF5-4FDC-AA41-8CF0770B61B0}"/>
+                <a16:creationId xmlns:a16="http://schemas.microsoft.com/office/drawing/2014/main" xmlns="" id="{03A8DBB8-AAF5-4FDC-AA41-8CF0770B61B0}"/>
               </a:ext>
             </a:extLst>
           </p:cNvPr>
@@ -4533,7 +4533,7 @@
             <p:cNvPr id="59" name="TextBox 58">
               <a:extLst>
                 <a:ext uri="{FF2B5EF4-FFF2-40B4-BE49-F238E27FC236}">
-                  <a16:creationId xmlns:a16="http://schemas.microsoft.com/office/drawing/2014/main" id="{77608820-8161-4AE6-8602-923C28A2C42B}"/>
+                  <a16:creationId xmlns:a16="http://schemas.microsoft.com/office/drawing/2014/main" xmlns="" id="{77608820-8161-4AE6-8602-923C28A2C42B}"/>
                 </a:ext>
               </a:extLst>
             </p:cNvPr>
@@ -4570,7 +4570,7 @@
             <p:cNvPr id="30" name="Graphic 29">
               <a:extLst>
                 <a:ext uri="{FF2B5EF4-FFF2-40B4-BE49-F238E27FC236}">
-                  <a16:creationId xmlns:a16="http://schemas.microsoft.com/office/drawing/2014/main" id="{C82218FE-7DF5-4CDF-BB71-E48DDCAF4CA8}"/>
+                  <a16:creationId xmlns:a16="http://schemas.microsoft.com/office/drawing/2014/main" xmlns="" id="{C82218FE-7DF5-4CDF-BB71-E48DDCAF4CA8}"/>
                 </a:ext>
               </a:extLst>
             </p:cNvPr>
@@ -4580,13 +4580,13 @@
             <p:nvPr/>
           </p:nvPicPr>
           <p:blipFill>
-            <a:blip r:embed="rId10">
+            <a:blip r:embed="rId10" cstate="print">
               <a:extLst>
                 <a:ext uri="{28A0092B-C50C-407E-A947-70E740481C1C}">
                   <a14:useLocalDpi xmlns:a14="http://schemas.microsoft.com/office/drawing/2010/main" val="0"/>
                 </a:ext>
                 <a:ext uri="{96DAC541-7B7A-43D3-8B79-37D633B846F1}">
-                  <asvg:svgBlip xmlns:asvg="http://schemas.microsoft.com/office/drawing/2016/SVG/main" r:embed="rId11"/>
+                  <asvg:svgBlip xmlns:asvg="http://schemas.microsoft.com/office/drawing/2016/SVG/main" xmlns="" r:embed="rId11"/>
                 </a:ext>
               </a:extLst>
             </a:blip>
@@ -4610,7 +4610,7 @@
           <p:cNvPr id="57" name="Group 56">
             <a:extLst>
               <a:ext uri="{FF2B5EF4-FFF2-40B4-BE49-F238E27FC236}">
-                <a16:creationId xmlns:a16="http://schemas.microsoft.com/office/drawing/2014/main" id="{A03E2CFB-B948-4360-946F-EFFD9877D96D}"/>
+                <a16:creationId xmlns:a16="http://schemas.microsoft.com/office/drawing/2014/main" xmlns="" id="{A03E2CFB-B948-4360-946F-EFFD9877D96D}"/>
               </a:ext>
             </a:extLst>
           </p:cNvPr>
@@ -4630,7 +4630,7 @@
             <p:cNvPr id="60" name="Picture 59">
               <a:extLst>
                 <a:ext uri="{FF2B5EF4-FFF2-40B4-BE49-F238E27FC236}">
-                  <a16:creationId xmlns:a16="http://schemas.microsoft.com/office/drawing/2014/main" id="{EBB8AC3D-ECD0-4478-A150-AC2528E85001}"/>
+                  <a16:creationId xmlns:a16="http://schemas.microsoft.com/office/drawing/2014/main" xmlns="" id="{EBB8AC3D-ECD0-4478-A150-AC2528E85001}"/>
                 </a:ext>
               </a:extLst>
             </p:cNvPr>
@@ -4640,7 +4640,7 @@
             <p:nvPr/>
           </p:nvPicPr>
           <p:blipFill>
-            <a:blip r:embed="rId7">
+            <a:blip r:embed="rId7" cstate="print">
               <a:extLst>
                 <a:ext uri="{28A0092B-C50C-407E-A947-70E740481C1C}">
                   <a14:useLocalDpi xmlns:a14="http://schemas.microsoft.com/office/drawing/2010/main" val="0"/>
@@ -4666,7 +4666,7 @@
             <p:cNvPr id="61" name="TextBox 60">
               <a:extLst>
                 <a:ext uri="{FF2B5EF4-FFF2-40B4-BE49-F238E27FC236}">
-                  <a16:creationId xmlns:a16="http://schemas.microsoft.com/office/drawing/2014/main" id="{5D219278-4FA0-43FD-8A9F-6836BFC9E1F4}"/>
+                  <a16:creationId xmlns:a16="http://schemas.microsoft.com/office/drawing/2014/main" xmlns="" id="{5D219278-4FA0-43FD-8A9F-6836BFC9E1F4}"/>
                 </a:ext>
               </a:extLst>
             </p:cNvPr>
@@ -4734,7 +4734,7 @@
           <p:cNvPr id="4" name="Group 3">
             <a:extLst>
               <a:ext uri="{FF2B5EF4-FFF2-40B4-BE49-F238E27FC236}">
-                <a16:creationId xmlns:a16="http://schemas.microsoft.com/office/drawing/2014/main" id="{BB66ED89-C516-4F26-84C9-CB43A7B39DB1}"/>
+                <a16:creationId xmlns:a16="http://schemas.microsoft.com/office/drawing/2014/main" xmlns="" id="{BB66ED89-C516-4F26-84C9-CB43A7B39DB1}"/>
               </a:ext>
             </a:extLst>
           </p:cNvPr>
@@ -4754,7 +4754,7 @@
             <p:cNvPr id="5" name="Group 4">
               <a:extLst>
                 <a:ext uri="{FF2B5EF4-FFF2-40B4-BE49-F238E27FC236}">
-                  <a16:creationId xmlns:a16="http://schemas.microsoft.com/office/drawing/2014/main" id="{EA10E17D-0A67-4173-BB0B-7C340757CF21}"/>
+                  <a16:creationId xmlns:a16="http://schemas.microsoft.com/office/drawing/2014/main" xmlns="" id="{EA10E17D-0A67-4173-BB0B-7C340757CF21}"/>
                 </a:ext>
               </a:extLst>
             </p:cNvPr>
@@ -4774,7 +4774,7 @@
               <p:cNvPr id="7" name="Graphic 6" descr="Contract">
                 <a:extLst>
                   <a:ext uri="{FF2B5EF4-FFF2-40B4-BE49-F238E27FC236}">
-                    <a16:creationId xmlns:a16="http://schemas.microsoft.com/office/drawing/2014/main" id="{45193962-FA9D-45F1-9030-657E4D966944}"/>
+                    <a16:creationId xmlns:a16="http://schemas.microsoft.com/office/drawing/2014/main" xmlns="" id="{45193962-FA9D-45F1-9030-657E4D966944}"/>
                   </a:ext>
                 </a:extLst>
               </p:cNvPr>
@@ -4784,13 +4784,13 @@
               <p:nvPr/>
             </p:nvPicPr>
             <p:blipFill>
-              <a:blip r:embed="rId2">
+              <a:blip r:embed="rId2" cstate="print">
                 <a:extLst>
                   <a:ext uri="{28A0092B-C50C-407E-A947-70E740481C1C}">
                     <a14:useLocalDpi xmlns:a14="http://schemas.microsoft.com/office/drawing/2010/main" val="0"/>
                   </a:ext>
                   <a:ext uri="{96DAC541-7B7A-43D3-8B79-37D633B846F1}">
-                    <asvg:svgBlip xmlns:asvg="http://schemas.microsoft.com/office/drawing/2016/SVG/main" r:embed="rId3"/>
+                    <asvg:svgBlip xmlns:asvg="http://schemas.microsoft.com/office/drawing/2016/SVG/main" xmlns="" r:embed="rId3"/>
                   </a:ext>
                 </a:extLst>
               </a:blip>
@@ -4813,7 +4813,7 @@
               <p:cNvPr id="8" name="Graphic 7" descr="Paperclip">
                 <a:extLst>
                   <a:ext uri="{FF2B5EF4-FFF2-40B4-BE49-F238E27FC236}">
-                    <a16:creationId xmlns:a16="http://schemas.microsoft.com/office/drawing/2014/main" id="{B726B271-4551-44E8-B230-FB7171E64669}"/>
+                    <a16:creationId xmlns:a16="http://schemas.microsoft.com/office/drawing/2014/main" xmlns="" id="{B726B271-4551-44E8-B230-FB7171E64669}"/>
                   </a:ext>
                 </a:extLst>
               </p:cNvPr>
@@ -4823,13 +4823,13 @@
               <p:nvPr/>
             </p:nvPicPr>
             <p:blipFill>
-              <a:blip r:embed="rId4">
+              <a:blip r:embed="rId4" cstate="print">
                 <a:extLst>
                   <a:ext uri="{28A0092B-C50C-407E-A947-70E740481C1C}">
                     <a14:useLocalDpi xmlns:a14="http://schemas.microsoft.com/office/drawing/2010/main" val="0"/>
                   </a:ext>
                   <a:ext uri="{96DAC541-7B7A-43D3-8B79-37D633B846F1}">
-                    <asvg:svgBlip xmlns:asvg="http://schemas.microsoft.com/office/drawing/2016/SVG/main" r:embed="rId5"/>
+                    <asvg:svgBlip xmlns:asvg="http://schemas.microsoft.com/office/drawing/2016/SVG/main" xmlns="" r:embed="rId5"/>
                   </a:ext>
                 </a:extLst>
               </a:blip>
@@ -4853,7 +4853,7 @@
             <p:cNvPr id="6" name="TextBox 5">
               <a:extLst>
                 <a:ext uri="{FF2B5EF4-FFF2-40B4-BE49-F238E27FC236}">
-                  <a16:creationId xmlns:a16="http://schemas.microsoft.com/office/drawing/2014/main" id="{A77CF43B-C71C-4E49-BA66-4F586D1E53EA}"/>
+                  <a16:creationId xmlns:a16="http://schemas.microsoft.com/office/drawing/2014/main" xmlns="" id="{A77CF43B-C71C-4E49-BA66-4F586D1E53EA}"/>
                 </a:ext>
               </a:extLst>
             </p:cNvPr>
@@ -4891,7 +4891,7 @@
           <p:cNvPr id="9" name="Group 8">
             <a:extLst>
               <a:ext uri="{FF2B5EF4-FFF2-40B4-BE49-F238E27FC236}">
-                <a16:creationId xmlns:a16="http://schemas.microsoft.com/office/drawing/2014/main" id="{617D0470-8EE9-4755-BF06-A88087A562D9}"/>
+                <a16:creationId xmlns:a16="http://schemas.microsoft.com/office/drawing/2014/main" xmlns="" id="{617D0470-8EE9-4755-BF06-A88087A562D9}"/>
               </a:ext>
             </a:extLst>
           </p:cNvPr>
@@ -4911,7 +4911,7 @@
             <p:cNvPr id="10" name="Group 9">
               <a:extLst>
                 <a:ext uri="{FF2B5EF4-FFF2-40B4-BE49-F238E27FC236}">
-                  <a16:creationId xmlns:a16="http://schemas.microsoft.com/office/drawing/2014/main" id="{D55A490E-F7CA-411B-910F-13BC62A6A0BC}"/>
+                  <a16:creationId xmlns:a16="http://schemas.microsoft.com/office/drawing/2014/main" xmlns="" id="{D55A490E-F7CA-411B-910F-13BC62A6A0BC}"/>
                 </a:ext>
               </a:extLst>
             </p:cNvPr>
@@ -4931,7 +4931,7 @@
               <p:cNvPr id="12" name="Graphic 11" descr="Contract">
                 <a:extLst>
                   <a:ext uri="{FF2B5EF4-FFF2-40B4-BE49-F238E27FC236}">
-                    <a16:creationId xmlns:a16="http://schemas.microsoft.com/office/drawing/2014/main" id="{B9DCCB8B-4695-4BB8-B169-0884BD77192C}"/>
+                    <a16:creationId xmlns:a16="http://schemas.microsoft.com/office/drawing/2014/main" xmlns="" id="{B9DCCB8B-4695-4BB8-B169-0884BD77192C}"/>
                   </a:ext>
                 </a:extLst>
               </p:cNvPr>
@@ -4941,13 +4941,13 @@
               <p:nvPr/>
             </p:nvPicPr>
             <p:blipFill>
-              <a:blip r:embed="rId2">
+              <a:blip r:embed="rId2" cstate="print">
                 <a:extLst>
                   <a:ext uri="{28A0092B-C50C-407E-A947-70E740481C1C}">
                     <a14:useLocalDpi xmlns:a14="http://schemas.microsoft.com/office/drawing/2010/main" val="0"/>
                   </a:ext>
                   <a:ext uri="{96DAC541-7B7A-43D3-8B79-37D633B846F1}">
-                    <asvg:svgBlip xmlns:asvg="http://schemas.microsoft.com/office/drawing/2016/SVG/main" r:embed="rId3"/>
+                    <asvg:svgBlip xmlns:asvg="http://schemas.microsoft.com/office/drawing/2016/SVG/main" xmlns="" r:embed="rId3"/>
                   </a:ext>
                 </a:extLst>
               </a:blip>
@@ -4970,7 +4970,7 @@
               <p:cNvPr id="13" name="Graphic 12" descr="Paperclip">
                 <a:extLst>
                   <a:ext uri="{FF2B5EF4-FFF2-40B4-BE49-F238E27FC236}">
-                    <a16:creationId xmlns:a16="http://schemas.microsoft.com/office/drawing/2014/main" id="{6B30BE3C-0F5B-4875-824E-A77D5E850288}"/>
+                    <a16:creationId xmlns:a16="http://schemas.microsoft.com/office/drawing/2014/main" xmlns="" id="{6B30BE3C-0F5B-4875-824E-A77D5E850288}"/>
                   </a:ext>
                 </a:extLst>
               </p:cNvPr>
@@ -4980,13 +4980,13 @@
               <p:nvPr/>
             </p:nvPicPr>
             <p:blipFill>
-              <a:blip r:embed="rId4">
+              <a:blip r:embed="rId4" cstate="print">
                 <a:extLst>
                   <a:ext uri="{28A0092B-C50C-407E-A947-70E740481C1C}">
                     <a14:useLocalDpi xmlns:a14="http://schemas.microsoft.com/office/drawing/2010/main" val="0"/>
                   </a:ext>
                   <a:ext uri="{96DAC541-7B7A-43D3-8B79-37D633B846F1}">
-                    <asvg:svgBlip xmlns:asvg="http://schemas.microsoft.com/office/drawing/2016/SVG/main" r:embed="rId5"/>
+                    <asvg:svgBlip xmlns:asvg="http://schemas.microsoft.com/office/drawing/2016/SVG/main" xmlns="" r:embed="rId5"/>
                   </a:ext>
                 </a:extLst>
               </a:blip>
@@ -5010,7 +5010,7 @@
             <p:cNvPr id="11" name="TextBox 10">
               <a:extLst>
                 <a:ext uri="{FF2B5EF4-FFF2-40B4-BE49-F238E27FC236}">
-                  <a16:creationId xmlns:a16="http://schemas.microsoft.com/office/drawing/2014/main" id="{5AD44E87-BAAB-4123-889B-CD35E54B7CD8}"/>
+                  <a16:creationId xmlns:a16="http://schemas.microsoft.com/office/drawing/2014/main" xmlns="" id="{5AD44E87-BAAB-4123-889B-CD35E54B7CD8}"/>
                 </a:ext>
               </a:extLst>
             </p:cNvPr>
@@ -5042,8 +5042,12 @@
             <a:p>
               <a:pPr algn="ctr"/>
               <a:r>
-                <a:rPr lang="en-US" sz="1400" dirty="0"/>
-                <a:t>Hourly Pull</a:t>
+                <a:rPr lang="en-US" sz="1400"/>
+                <a:t>Hourly </a:t>
+              </a:r>
+              <a:r>
+                <a:rPr lang="en-US" sz="1400" smtClean="0"/>
+                <a:t>Pull </a:t>
               </a:r>
               <a:endParaRPr lang="en-US" sz="1000" dirty="0"/>
             </a:p>
@@ -5055,7 +5059,7 @@
           <p:cNvPr id="29" name="Group 28">
             <a:extLst>
               <a:ext uri="{FF2B5EF4-FFF2-40B4-BE49-F238E27FC236}">
-                <a16:creationId xmlns:a16="http://schemas.microsoft.com/office/drawing/2014/main" id="{3CA66550-D272-4F54-8CF0-C6D1CC653797}"/>
+                <a16:creationId xmlns:a16="http://schemas.microsoft.com/office/drawing/2014/main" xmlns="" id="{3CA66550-D272-4F54-8CF0-C6D1CC653797}"/>
               </a:ext>
             </a:extLst>
           </p:cNvPr>
@@ -5075,7 +5079,7 @@
             <p:cNvPr id="17" name="Picture 16" descr="A stop sign&#10;&#10;Description generated with high confidence">
               <a:extLst>
                 <a:ext uri="{FF2B5EF4-FFF2-40B4-BE49-F238E27FC236}">
-                  <a16:creationId xmlns:a16="http://schemas.microsoft.com/office/drawing/2014/main" id="{55840299-CC03-4677-A8BA-FBD123431B29}"/>
+                  <a16:creationId xmlns:a16="http://schemas.microsoft.com/office/drawing/2014/main" xmlns="" id="{55840299-CC03-4677-A8BA-FBD123431B29}"/>
                 </a:ext>
               </a:extLst>
             </p:cNvPr>
@@ -5085,7 +5089,7 @@
             <p:nvPr/>
           </p:nvPicPr>
           <p:blipFill>
-            <a:blip r:embed="rId6">
+            <a:blip r:embed="rId6" cstate="print">
               <a:extLst>
                 <a:ext uri="{28A0092B-C50C-407E-A947-70E740481C1C}">
                   <a14:useLocalDpi xmlns:a14="http://schemas.microsoft.com/office/drawing/2010/main" val="0"/>
@@ -5111,7 +5115,7 @@
             <p:cNvPr id="26" name="TextBox 25">
               <a:extLst>
                 <a:ext uri="{FF2B5EF4-FFF2-40B4-BE49-F238E27FC236}">
-                  <a16:creationId xmlns:a16="http://schemas.microsoft.com/office/drawing/2014/main" id="{BB82A25B-4290-4F26-B6A0-DE277E58056F}"/>
+                  <a16:creationId xmlns:a16="http://schemas.microsoft.com/office/drawing/2014/main" xmlns="" id="{BB82A25B-4290-4F26-B6A0-DE277E58056F}"/>
                 </a:ext>
               </a:extLst>
             </p:cNvPr>
@@ -5149,7 +5153,7 @@
           <p:cNvPr id="28" name="Group 27">
             <a:extLst>
               <a:ext uri="{FF2B5EF4-FFF2-40B4-BE49-F238E27FC236}">
-                <a16:creationId xmlns:a16="http://schemas.microsoft.com/office/drawing/2014/main" id="{8A2D8B15-D81B-4F74-A31B-966F47F07FE0}"/>
+                <a16:creationId xmlns:a16="http://schemas.microsoft.com/office/drawing/2014/main" xmlns="" id="{8A2D8B15-D81B-4F74-A31B-966F47F07FE0}"/>
               </a:ext>
             </a:extLst>
           </p:cNvPr>
@@ -5169,7 +5173,7 @@
             <p:cNvPr id="15" name="Picture 14">
               <a:extLst>
                 <a:ext uri="{FF2B5EF4-FFF2-40B4-BE49-F238E27FC236}">
-                  <a16:creationId xmlns:a16="http://schemas.microsoft.com/office/drawing/2014/main" id="{B3B0C049-1A82-4EBA-8A06-5694DEFB7635}"/>
+                  <a16:creationId xmlns:a16="http://schemas.microsoft.com/office/drawing/2014/main" xmlns="" id="{B3B0C049-1A82-4EBA-8A06-5694DEFB7635}"/>
                 </a:ext>
               </a:extLst>
             </p:cNvPr>
@@ -5179,7 +5183,7 @@
             <p:nvPr/>
           </p:nvPicPr>
           <p:blipFill>
-            <a:blip r:embed="rId7">
+            <a:blip r:embed="rId7" cstate="print">
               <a:extLst>
                 <a:ext uri="{28A0092B-C50C-407E-A947-70E740481C1C}">
                   <a14:useLocalDpi xmlns:a14="http://schemas.microsoft.com/office/drawing/2010/main" val="0"/>
@@ -5205,7 +5209,7 @@
             <p:cNvPr id="27" name="TextBox 26">
               <a:extLst>
                 <a:ext uri="{FF2B5EF4-FFF2-40B4-BE49-F238E27FC236}">
-                  <a16:creationId xmlns:a16="http://schemas.microsoft.com/office/drawing/2014/main" id="{2097523E-2B0E-491F-8BC1-84B9A489E2CE}"/>
+                  <a16:creationId xmlns:a16="http://schemas.microsoft.com/office/drawing/2014/main" xmlns="" id="{2097523E-2B0E-491F-8BC1-84B9A489E2CE}"/>
                 </a:ext>
               </a:extLst>
             </p:cNvPr>
@@ -5243,7 +5247,7 @@
           <p:cNvPr id="52" name="Connector: Curved 51">
             <a:extLst>
               <a:ext uri="{FF2B5EF4-FFF2-40B4-BE49-F238E27FC236}">
-                <a16:creationId xmlns:a16="http://schemas.microsoft.com/office/drawing/2014/main" id="{3608F0B2-755E-452D-B046-9F029265680E}"/>
+                <a16:creationId xmlns:a16="http://schemas.microsoft.com/office/drawing/2014/main" xmlns="" id="{3608F0B2-755E-452D-B046-9F029265680E}"/>
               </a:ext>
             </a:extLst>
           </p:cNvPr>
@@ -5285,7 +5289,7 @@
           <p:cNvPr id="54" name="Connector: Curved 53">
             <a:extLst>
               <a:ext uri="{FF2B5EF4-FFF2-40B4-BE49-F238E27FC236}">
-                <a16:creationId xmlns:a16="http://schemas.microsoft.com/office/drawing/2014/main" id="{615D7B35-A9F1-4983-B8CA-9D03DF1779AA}"/>
+                <a16:creationId xmlns:a16="http://schemas.microsoft.com/office/drawing/2014/main" xmlns="" id="{615D7B35-A9F1-4983-B8CA-9D03DF1779AA}"/>
               </a:ext>
             </a:extLst>
           </p:cNvPr>
@@ -5326,7 +5330,7 @@
           <p:cNvPr id="56" name="Straight Arrow Connector 55">
             <a:extLst>
               <a:ext uri="{FF2B5EF4-FFF2-40B4-BE49-F238E27FC236}">
-                <a16:creationId xmlns:a16="http://schemas.microsoft.com/office/drawing/2014/main" id="{B8245FCA-1C32-4544-BBAC-1953D513ECFF}"/>
+                <a16:creationId xmlns:a16="http://schemas.microsoft.com/office/drawing/2014/main" xmlns="" id="{B8245FCA-1C32-4544-BBAC-1953D513ECFF}"/>
               </a:ext>
             </a:extLst>
           </p:cNvPr>
@@ -5369,7 +5373,7 @@
           <p:cNvPr id="97" name="TextBox 96">
             <a:extLst>
               <a:ext uri="{FF2B5EF4-FFF2-40B4-BE49-F238E27FC236}">
-                <a16:creationId xmlns:a16="http://schemas.microsoft.com/office/drawing/2014/main" id="{539CCB79-F678-4304-A982-D5D7B7291780}"/>
+                <a16:creationId xmlns:a16="http://schemas.microsoft.com/office/drawing/2014/main" xmlns="" id="{539CCB79-F678-4304-A982-D5D7B7291780}"/>
               </a:ext>
             </a:extLst>
           </p:cNvPr>
@@ -5408,7 +5412,7 @@
           <p:cNvPr id="41" name="TextBox 40">
             <a:extLst>
               <a:ext uri="{FF2B5EF4-FFF2-40B4-BE49-F238E27FC236}">
-                <a16:creationId xmlns:a16="http://schemas.microsoft.com/office/drawing/2014/main" id="{CC4D76E1-4311-4747-8062-91EFCE2DABD7}"/>
+                <a16:creationId xmlns:a16="http://schemas.microsoft.com/office/drawing/2014/main" xmlns="" id="{CC4D76E1-4311-4747-8062-91EFCE2DABD7}"/>
               </a:ext>
             </a:extLst>
           </p:cNvPr>
@@ -5447,7 +5451,7 @@
           <p:cNvPr id="42" name="Graphic 41" descr="Daily Calendar">
             <a:extLst>
               <a:ext uri="{FF2B5EF4-FFF2-40B4-BE49-F238E27FC236}">
-                <a16:creationId xmlns:a16="http://schemas.microsoft.com/office/drawing/2014/main" id="{DD02DEB7-769C-4707-9429-6F9985D0240F}"/>
+                <a16:creationId xmlns:a16="http://schemas.microsoft.com/office/drawing/2014/main" xmlns="" id="{DD02DEB7-769C-4707-9429-6F9985D0240F}"/>
               </a:ext>
             </a:extLst>
           </p:cNvPr>
@@ -5457,13 +5461,13 @@
           <p:nvPr/>
         </p:nvPicPr>
         <p:blipFill>
-          <a:blip r:embed="rId8">
+          <a:blip r:embed="rId8" cstate="print">
             <a:extLst>
               <a:ext uri="{28A0092B-C50C-407E-A947-70E740481C1C}">
                 <a14:useLocalDpi xmlns:a14="http://schemas.microsoft.com/office/drawing/2010/main" val="0"/>
               </a:ext>
               <a:ext uri="{96DAC541-7B7A-43D3-8B79-37D633B846F1}">
-                <asvg:svgBlip xmlns:asvg="http://schemas.microsoft.com/office/drawing/2016/SVG/main" r:embed="rId9"/>
+                <asvg:svgBlip xmlns:asvg="http://schemas.microsoft.com/office/drawing/2016/SVG/main" xmlns="" r:embed="rId9"/>
               </a:ext>
             </a:extLst>
           </a:blip>
@@ -5486,7 +5490,7 @@
           <p:cNvPr id="43" name="TextBox 42">
             <a:extLst>
               <a:ext uri="{FF2B5EF4-FFF2-40B4-BE49-F238E27FC236}">
-                <a16:creationId xmlns:a16="http://schemas.microsoft.com/office/drawing/2014/main" id="{87357161-E2F6-4266-8326-BCCFFFB653A2}"/>
+                <a16:creationId xmlns:a16="http://schemas.microsoft.com/office/drawing/2014/main" xmlns="" id="{87357161-E2F6-4266-8326-BCCFFFB653A2}"/>
               </a:ext>
             </a:extLst>
           </p:cNvPr>
@@ -5552,7 +5556,7 @@
           <p:cNvPr id="4" name="Group 3">
             <a:extLst>
               <a:ext uri="{FF2B5EF4-FFF2-40B4-BE49-F238E27FC236}">
-                <a16:creationId xmlns:a16="http://schemas.microsoft.com/office/drawing/2014/main" id="{BB66ED89-C516-4F26-84C9-CB43A7B39DB1}"/>
+                <a16:creationId xmlns:a16="http://schemas.microsoft.com/office/drawing/2014/main" xmlns="" id="{BB66ED89-C516-4F26-84C9-CB43A7B39DB1}"/>
               </a:ext>
             </a:extLst>
           </p:cNvPr>
@@ -5572,7 +5576,7 @@
             <p:cNvPr id="5" name="Group 4">
               <a:extLst>
                 <a:ext uri="{FF2B5EF4-FFF2-40B4-BE49-F238E27FC236}">
-                  <a16:creationId xmlns:a16="http://schemas.microsoft.com/office/drawing/2014/main" id="{EA10E17D-0A67-4173-BB0B-7C340757CF21}"/>
+                  <a16:creationId xmlns:a16="http://schemas.microsoft.com/office/drawing/2014/main" xmlns="" id="{EA10E17D-0A67-4173-BB0B-7C340757CF21}"/>
                 </a:ext>
               </a:extLst>
             </p:cNvPr>
@@ -5592,7 +5596,7 @@
               <p:cNvPr id="7" name="Graphic 6" descr="Contract">
                 <a:extLst>
                   <a:ext uri="{FF2B5EF4-FFF2-40B4-BE49-F238E27FC236}">
-                    <a16:creationId xmlns:a16="http://schemas.microsoft.com/office/drawing/2014/main" id="{45193962-FA9D-45F1-9030-657E4D966944}"/>
+                    <a16:creationId xmlns:a16="http://schemas.microsoft.com/office/drawing/2014/main" xmlns="" id="{45193962-FA9D-45F1-9030-657E4D966944}"/>
                   </a:ext>
                 </a:extLst>
               </p:cNvPr>
@@ -5602,13 +5606,13 @@
               <p:nvPr/>
             </p:nvPicPr>
             <p:blipFill>
-              <a:blip r:embed="rId2">
+              <a:blip r:embed="rId2" cstate="print">
                 <a:extLst>
                   <a:ext uri="{28A0092B-C50C-407E-A947-70E740481C1C}">
                     <a14:useLocalDpi xmlns:a14="http://schemas.microsoft.com/office/drawing/2010/main" val="0"/>
                   </a:ext>
                   <a:ext uri="{96DAC541-7B7A-43D3-8B79-37D633B846F1}">
-                    <asvg:svgBlip xmlns:asvg="http://schemas.microsoft.com/office/drawing/2016/SVG/main" r:embed="rId3"/>
+                    <asvg:svgBlip xmlns:asvg="http://schemas.microsoft.com/office/drawing/2016/SVG/main" xmlns="" r:embed="rId3"/>
                   </a:ext>
                 </a:extLst>
               </a:blip>
@@ -5631,7 +5635,7 @@
               <p:cNvPr id="8" name="Graphic 7" descr="Paperclip">
                 <a:extLst>
                   <a:ext uri="{FF2B5EF4-FFF2-40B4-BE49-F238E27FC236}">
-                    <a16:creationId xmlns:a16="http://schemas.microsoft.com/office/drawing/2014/main" id="{B726B271-4551-44E8-B230-FB7171E64669}"/>
+                    <a16:creationId xmlns:a16="http://schemas.microsoft.com/office/drawing/2014/main" xmlns="" id="{B726B271-4551-44E8-B230-FB7171E64669}"/>
                   </a:ext>
                 </a:extLst>
               </p:cNvPr>
@@ -5641,13 +5645,13 @@
               <p:nvPr/>
             </p:nvPicPr>
             <p:blipFill>
-              <a:blip r:embed="rId4">
+              <a:blip r:embed="rId4" cstate="print">
                 <a:extLst>
                   <a:ext uri="{28A0092B-C50C-407E-A947-70E740481C1C}">
                     <a14:useLocalDpi xmlns:a14="http://schemas.microsoft.com/office/drawing/2010/main" val="0"/>
                   </a:ext>
                   <a:ext uri="{96DAC541-7B7A-43D3-8B79-37D633B846F1}">
-                    <asvg:svgBlip xmlns:asvg="http://schemas.microsoft.com/office/drawing/2016/SVG/main" r:embed="rId5"/>
+                    <asvg:svgBlip xmlns:asvg="http://schemas.microsoft.com/office/drawing/2016/SVG/main" xmlns="" r:embed="rId5"/>
                   </a:ext>
                 </a:extLst>
               </a:blip>
@@ -5671,7 +5675,7 @@
             <p:cNvPr id="6" name="TextBox 5">
               <a:extLst>
                 <a:ext uri="{FF2B5EF4-FFF2-40B4-BE49-F238E27FC236}">
-                  <a16:creationId xmlns:a16="http://schemas.microsoft.com/office/drawing/2014/main" id="{A77CF43B-C71C-4E49-BA66-4F586D1E53EA}"/>
+                  <a16:creationId xmlns:a16="http://schemas.microsoft.com/office/drawing/2014/main" xmlns="" id="{A77CF43B-C71C-4E49-BA66-4F586D1E53EA}"/>
                 </a:ext>
               </a:extLst>
             </p:cNvPr>
@@ -5716,7 +5720,7 @@
           <p:cNvPr id="9" name="Group 8">
             <a:extLst>
               <a:ext uri="{FF2B5EF4-FFF2-40B4-BE49-F238E27FC236}">
-                <a16:creationId xmlns:a16="http://schemas.microsoft.com/office/drawing/2014/main" id="{617D0470-8EE9-4755-BF06-A88087A562D9}"/>
+                <a16:creationId xmlns:a16="http://schemas.microsoft.com/office/drawing/2014/main" xmlns="" id="{617D0470-8EE9-4755-BF06-A88087A562D9}"/>
               </a:ext>
             </a:extLst>
           </p:cNvPr>
@@ -5736,7 +5740,7 @@
             <p:cNvPr id="10" name="Group 9">
               <a:extLst>
                 <a:ext uri="{FF2B5EF4-FFF2-40B4-BE49-F238E27FC236}">
-                  <a16:creationId xmlns:a16="http://schemas.microsoft.com/office/drawing/2014/main" id="{D55A490E-F7CA-411B-910F-13BC62A6A0BC}"/>
+                  <a16:creationId xmlns:a16="http://schemas.microsoft.com/office/drawing/2014/main" xmlns="" id="{D55A490E-F7CA-411B-910F-13BC62A6A0BC}"/>
                 </a:ext>
               </a:extLst>
             </p:cNvPr>
@@ -5756,7 +5760,7 @@
               <p:cNvPr id="12" name="Graphic 11" descr="Contract">
                 <a:extLst>
                   <a:ext uri="{FF2B5EF4-FFF2-40B4-BE49-F238E27FC236}">
-                    <a16:creationId xmlns:a16="http://schemas.microsoft.com/office/drawing/2014/main" id="{B9DCCB8B-4695-4BB8-B169-0884BD77192C}"/>
+                    <a16:creationId xmlns:a16="http://schemas.microsoft.com/office/drawing/2014/main" xmlns="" id="{B9DCCB8B-4695-4BB8-B169-0884BD77192C}"/>
                   </a:ext>
                 </a:extLst>
               </p:cNvPr>
@@ -5766,13 +5770,13 @@
               <p:nvPr/>
             </p:nvPicPr>
             <p:blipFill>
-              <a:blip r:embed="rId2">
+              <a:blip r:embed="rId2" cstate="print">
                 <a:extLst>
                   <a:ext uri="{28A0092B-C50C-407E-A947-70E740481C1C}">
                     <a14:useLocalDpi xmlns:a14="http://schemas.microsoft.com/office/drawing/2010/main" val="0"/>
                   </a:ext>
                   <a:ext uri="{96DAC541-7B7A-43D3-8B79-37D633B846F1}">
-                    <asvg:svgBlip xmlns:asvg="http://schemas.microsoft.com/office/drawing/2016/SVG/main" r:embed="rId3"/>
+                    <asvg:svgBlip xmlns:asvg="http://schemas.microsoft.com/office/drawing/2016/SVG/main" xmlns="" r:embed="rId3"/>
                   </a:ext>
                 </a:extLst>
               </a:blip>
@@ -5795,7 +5799,7 @@
               <p:cNvPr id="13" name="Graphic 12" descr="Paperclip">
                 <a:extLst>
                   <a:ext uri="{FF2B5EF4-FFF2-40B4-BE49-F238E27FC236}">
-                    <a16:creationId xmlns:a16="http://schemas.microsoft.com/office/drawing/2014/main" id="{6B30BE3C-0F5B-4875-824E-A77D5E850288}"/>
+                    <a16:creationId xmlns:a16="http://schemas.microsoft.com/office/drawing/2014/main" xmlns="" id="{6B30BE3C-0F5B-4875-824E-A77D5E850288}"/>
                   </a:ext>
                 </a:extLst>
               </p:cNvPr>
@@ -5805,13 +5809,13 @@
               <p:nvPr/>
             </p:nvPicPr>
             <p:blipFill>
-              <a:blip r:embed="rId4">
+              <a:blip r:embed="rId4" cstate="print">
                 <a:extLst>
                   <a:ext uri="{28A0092B-C50C-407E-A947-70E740481C1C}">
                     <a14:useLocalDpi xmlns:a14="http://schemas.microsoft.com/office/drawing/2010/main" val="0"/>
                   </a:ext>
                   <a:ext uri="{96DAC541-7B7A-43D3-8B79-37D633B846F1}">
-                    <asvg:svgBlip xmlns:asvg="http://schemas.microsoft.com/office/drawing/2016/SVG/main" r:embed="rId5"/>
+                    <asvg:svgBlip xmlns:asvg="http://schemas.microsoft.com/office/drawing/2016/SVG/main" xmlns="" r:embed="rId5"/>
                   </a:ext>
                 </a:extLst>
               </a:blip>
@@ -5835,7 +5839,7 @@
             <p:cNvPr id="11" name="TextBox 10">
               <a:extLst>
                 <a:ext uri="{FF2B5EF4-FFF2-40B4-BE49-F238E27FC236}">
-                  <a16:creationId xmlns:a16="http://schemas.microsoft.com/office/drawing/2014/main" id="{5AD44E87-BAAB-4123-889B-CD35E54B7CD8}"/>
+                  <a16:creationId xmlns:a16="http://schemas.microsoft.com/office/drawing/2014/main" xmlns="" id="{5AD44E87-BAAB-4123-889B-CD35E54B7CD8}"/>
                 </a:ext>
               </a:extLst>
             </p:cNvPr>
@@ -5880,7 +5884,7 @@
           <p:cNvPr id="29" name="Group 28">
             <a:extLst>
               <a:ext uri="{FF2B5EF4-FFF2-40B4-BE49-F238E27FC236}">
-                <a16:creationId xmlns:a16="http://schemas.microsoft.com/office/drawing/2014/main" id="{3CA66550-D272-4F54-8CF0-C6D1CC653797}"/>
+                <a16:creationId xmlns:a16="http://schemas.microsoft.com/office/drawing/2014/main" xmlns="" id="{3CA66550-D272-4F54-8CF0-C6D1CC653797}"/>
               </a:ext>
             </a:extLst>
           </p:cNvPr>
@@ -5900,7 +5904,7 @@
             <p:cNvPr id="17" name="Picture 16" descr="A stop sign&#10;&#10;Description generated with high confidence">
               <a:extLst>
                 <a:ext uri="{FF2B5EF4-FFF2-40B4-BE49-F238E27FC236}">
-                  <a16:creationId xmlns:a16="http://schemas.microsoft.com/office/drawing/2014/main" id="{55840299-CC03-4677-A8BA-FBD123431B29}"/>
+                  <a16:creationId xmlns:a16="http://schemas.microsoft.com/office/drawing/2014/main" xmlns="" id="{55840299-CC03-4677-A8BA-FBD123431B29}"/>
                 </a:ext>
               </a:extLst>
             </p:cNvPr>
@@ -5910,7 +5914,7 @@
             <p:nvPr/>
           </p:nvPicPr>
           <p:blipFill>
-            <a:blip r:embed="rId6">
+            <a:blip r:embed="rId6" cstate="print">
               <a:extLst>
                 <a:ext uri="{28A0092B-C50C-407E-A947-70E740481C1C}">
                   <a14:useLocalDpi xmlns:a14="http://schemas.microsoft.com/office/drawing/2010/main" val="0"/>
@@ -5936,7 +5940,7 @@
             <p:cNvPr id="26" name="TextBox 25">
               <a:extLst>
                 <a:ext uri="{FF2B5EF4-FFF2-40B4-BE49-F238E27FC236}">
-                  <a16:creationId xmlns:a16="http://schemas.microsoft.com/office/drawing/2014/main" id="{BB82A25B-4290-4F26-B6A0-DE277E58056F}"/>
+                  <a16:creationId xmlns:a16="http://schemas.microsoft.com/office/drawing/2014/main" xmlns="" id="{BB82A25B-4290-4F26-B6A0-DE277E58056F}"/>
                 </a:ext>
               </a:extLst>
             </p:cNvPr>
@@ -5974,7 +5978,7 @@
           <p:cNvPr id="52" name="Connector: Curved 51">
             <a:extLst>
               <a:ext uri="{FF2B5EF4-FFF2-40B4-BE49-F238E27FC236}">
-                <a16:creationId xmlns:a16="http://schemas.microsoft.com/office/drawing/2014/main" id="{3608F0B2-755E-452D-B046-9F029265680E}"/>
+                <a16:creationId xmlns:a16="http://schemas.microsoft.com/office/drawing/2014/main" xmlns="" id="{3608F0B2-755E-452D-B046-9F029265680E}"/>
               </a:ext>
             </a:extLst>
           </p:cNvPr>
@@ -6016,7 +6020,7 @@
           <p:cNvPr id="54" name="Connector: Curved 53">
             <a:extLst>
               <a:ext uri="{FF2B5EF4-FFF2-40B4-BE49-F238E27FC236}">
-                <a16:creationId xmlns:a16="http://schemas.microsoft.com/office/drawing/2014/main" id="{615D7B35-A9F1-4983-B8CA-9D03DF1779AA}"/>
+                <a16:creationId xmlns:a16="http://schemas.microsoft.com/office/drawing/2014/main" xmlns="" id="{615D7B35-A9F1-4983-B8CA-9D03DF1779AA}"/>
               </a:ext>
             </a:extLst>
           </p:cNvPr>
@@ -6057,7 +6061,7 @@
           <p:cNvPr id="14" name="TextBox 13">
             <a:extLst>
               <a:ext uri="{FF2B5EF4-FFF2-40B4-BE49-F238E27FC236}">
-                <a16:creationId xmlns:a16="http://schemas.microsoft.com/office/drawing/2014/main" id="{9861045D-2BFB-47F3-959E-FD3A1D8353FA}"/>
+                <a16:creationId xmlns:a16="http://schemas.microsoft.com/office/drawing/2014/main" xmlns="" id="{9861045D-2BFB-47F3-959E-FD3A1D8353FA}"/>
               </a:ext>
             </a:extLst>
           </p:cNvPr>
@@ -6096,7 +6100,7 @@
           <p:cNvPr id="25" name="Group 24">
             <a:extLst>
               <a:ext uri="{FF2B5EF4-FFF2-40B4-BE49-F238E27FC236}">
-                <a16:creationId xmlns:a16="http://schemas.microsoft.com/office/drawing/2014/main" id="{DD257516-07AF-4C61-BA1A-99C64283628B}"/>
+                <a16:creationId xmlns:a16="http://schemas.microsoft.com/office/drawing/2014/main" xmlns="" id="{DD257516-07AF-4C61-BA1A-99C64283628B}"/>
               </a:ext>
             </a:extLst>
           </p:cNvPr>
@@ -6116,7 +6120,7 @@
             <p:cNvPr id="30" name="Picture 29">
               <a:extLst>
                 <a:ext uri="{FF2B5EF4-FFF2-40B4-BE49-F238E27FC236}">
-                  <a16:creationId xmlns:a16="http://schemas.microsoft.com/office/drawing/2014/main" id="{A3ADDF41-A2F4-44A5-AB0B-43378FBD791B}"/>
+                  <a16:creationId xmlns:a16="http://schemas.microsoft.com/office/drawing/2014/main" xmlns="" id="{A3ADDF41-A2F4-44A5-AB0B-43378FBD791B}"/>
                 </a:ext>
               </a:extLst>
             </p:cNvPr>
@@ -6126,7 +6130,7 @@
             <p:nvPr/>
           </p:nvPicPr>
           <p:blipFill>
-            <a:blip r:embed="rId7">
+            <a:blip r:embed="rId7" cstate="print">
               <a:extLst>
                 <a:ext uri="{28A0092B-C50C-407E-A947-70E740481C1C}">
                   <a14:useLocalDpi xmlns:a14="http://schemas.microsoft.com/office/drawing/2010/main" val="0"/>
@@ -6152,7 +6156,7 @@
             <p:cNvPr id="31" name="TextBox 30">
               <a:extLst>
                 <a:ext uri="{FF2B5EF4-FFF2-40B4-BE49-F238E27FC236}">
-                  <a16:creationId xmlns:a16="http://schemas.microsoft.com/office/drawing/2014/main" id="{A0D84B40-08DC-4A62-AF7C-D30657F11569}"/>
+                  <a16:creationId xmlns:a16="http://schemas.microsoft.com/office/drawing/2014/main" xmlns="" id="{A0D84B40-08DC-4A62-AF7C-D30657F11569}"/>
                 </a:ext>
               </a:extLst>
             </p:cNvPr>
@@ -6205,7 +6209,7 @@
           <p:cNvPr id="19" name="Straight Arrow Connector 18">
             <a:extLst>
               <a:ext uri="{FF2B5EF4-FFF2-40B4-BE49-F238E27FC236}">
-                <a16:creationId xmlns:a16="http://schemas.microsoft.com/office/drawing/2014/main" id="{68A026AB-4E09-4B25-91D3-EE90D41ED150}"/>
+                <a16:creationId xmlns:a16="http://schemas.microsoft.com/office/drawing/2014/main" xmlns="" id="{68A026AB-4E09-4B25-91D3-EE90D41ED150}"/>
               </a:ext>
             </a:extLst>
           </p:cNvPr>
@@ -6248,7 +6252,7 @@
           <p:cNvPr id="20" name="TextBox 19">
             <a:extLst>
               <a:ext uri="{FF2B5EF4-FFF2-40B4-BE49-F238E27FC236}">
-                <a16:creationId xmlns:a16="http://schemas.microsoft.com/office/drawing/2014/main" id="{C041D7BB-7799-4BD8-8861-08917F5CA432}"/>
+                <a16:creationId xmlns:a16="http://schemas.microsoft.com/office/drawing/2014/main" xmlns="" id="{C041D7BB-7799-4BD8-8861-08917F5CA432}"/>
               </a:ext>
             </a:extLst>
           </p:cNvPr>
@@ -6283,7 +6287,7 @@
           <p:cNvPr id="23" name="Connector: Curved 22">
             <a:extLst>
               <a:ext uri="{FF2B5EF4-FFF2-40B4-BE49-F238E27FC236}">
-                <a16:creationId xmlns:a16="http://schemas.microsoft.com/office/drawing/2014/main" id="{CE86C776-4C65-4EF6-B175-01ED63239E71}"/>
+                <a16:creationId xmlns:a16="http://schemas.microsoft.com/office/drawing/2014/main" xmlns="" id="{CE86C776-4C65-4EF6-B175-01ED63239E71}"/>
               </a:ext>
             </a:extLst>
           </p:cNvPr>
@@ -6327,7 +6331,7 @@
           <p:cNvPr id="37" name="TextBox 36">
             <a:extLst>
               <a:ext uri="{FF2B5EF4-FFF2-40B4-BE49-F238E27FC236}">
-                <a16:creationId xmlns:a16="http://schemas.microsoft.com/office/drawing/2014/main" id="{07C6412B-0A16-47E7-89B2-978A00414FCB}"/>
+                <a16:creationId xmlns:a16="http://schemas.microsoft.com/office/drawing/2014/main" xmlns="" id="{07C6412B-0A16-47E7-89B2-978A00414FCB}"/>
               </a:ext>
             </a:extLst>
           </p:cNvPr>
@@ -6398,7 +6402,7 @@
           <p:cNvPr id="29" name="Group 28">
             <a:extLst>
               <a:ext uri="{FF2B5EF4-FFF2-40B4-BE49-F238E27FC236}">
-                <a16:creationId xmlns:a16="http://schemas.microsoft.com/office/drawing/2014/main" id="{3CA66550-D272-4F54-8CF0-C6D1CC653797}"/>
+                <a16:creationId xmlns:a16="http://schemas.microsoft.com/office/drawing/2014/main" xmlns="" id="{3CA66550-D272-4F54-8CF0-C6D1CC653797}"/>
               </a:ext>
             </a:extLst>
           </p:cNvPr>
@@ -6418,7 +6422,7 @@
             <p:cNvPr id="17" name="Picture 16" descr="A stop sign&#10;&#10;Description generated with high confidence">
               <a:extLst>
                 <a:ext uri="{FF2B5EF4-FFF2-40B4-BE49-F238E27FC236}">
-                  <a16:creationId xmlns:a16="http://schemas.microsoft.com/office/drawing/2014/main" id="{55840299-CC03-4677-A8BA-FBD123431B29}"/>
+                  <a16:creationId xmlns:a16="http://schemas.microsoft.com/office/drawing/2014/main" xmlns="" id="{55840299-CC03-4677-A8BA-FBD123431B29}"/>
                 </a:ext>
               </a:extLst>
             </p:cNvPr>
@@ -6428,7 +6432,7 @@
             <p:nvPr/>
           </p:nvPicPr>
           <p:blipFill>
-            <a:blip r:embed="rId2">
+            <a:blip r:embed="rId2" cstate="print">
               <a:extLst>
                 <a:ext uri="{28A0092B-C50C-407E-A947-70E740481C1C}">
                   <a14:useLocalDpi xmlns:a14="http://schemas.microsoft.com/office/drawing/2010/main" val="0"/>
@@ -6454,7 +6458,7 @@
             <p:cNvPr id="26" name="TextBox 25">
               <a:extLst>
                 <a:ext uri="{FF2B5EF4-FFF2-40B4-BE49-F238E27FC236}">
-                  <a16:creationId xmlns:a16="http://schemas.microsoft.com/office/drawing/2014/main" id="{BB82A25B-4290-4F26-B6A0-DE277E58056F}"/>
+                  <a16:creationId xmlns:a16="http://schemas.microsoft.com/office/drawing/2014/main" xmlns="" id="{BB82A25B-4290-4F26-B6A0-DE277E58056F}"/>
                 </a:ext>
               </a:extLst>
             </p:cNvPr>
@@ -6492,7 +6496,7 @@
           <p:cNvPr id="14" name="TextBox 13">
             <a:extLst>
               <a:ext uri="{FF2B5EF4-FFF2-40B4-BE49-F238E27FC236}">
-                <a16:creationId xmlns:a16="http://schemas.microsoft.com/office/drawing/2014/main" id="{9861045D-2BFB-47F3-959E-FD3A1D8353FA}"/>
+                <a16:creationId xmlns:a16="http://schemas.microsoft.com/office/drawing/2014/main" xmlns="" id="{9861045D-2BFB-47F3-959E-FD3A1D8353FA}"/>
               </a:ext>
             </a:extLst>
           </p:cNvPr>
@@ -6531,7 +6535,7 @@
           <p:cNvPr id="25" name="Group 24">
             <a:extLst>
               <a:ext uri="{FF2B5EF4-FFF2-40B4-BE49-F238E27FC236}">
-                <a16:creationId xmlns:a16="http://schemas.microsoft.com/office/drawing/2014/main" id="{DD257516-07AF-4C61-BA1A-99C64283628B}"/>
+                <a16:creationId xmlns:a16="http://schemas.microsoft.com/office/drawing/2014/main" xmlns="" id="{DD257516-07AF-4C61-BA1A-99C64283628B}"/>
               </a:ext>
             </a:extLst>
           </p:cNvPr>
@@ -6551,7 +6555,7 @@
             <p:cNvPr id="30" name="Picture 29">
               <a:extLst>
                 <a:ext uri="{FF2B5EF4-FFF2-40B4-BE49-F238E27FC236}">
-                  <a16:creationId xmlns:a16="http://schemas.microsoft.com/office/drawing/2014/main" id="{A3ADDF41-A2F4-44A5-AB0B-43378FBD791B}"/>
+                  <a16:creationId xmlns:a16="http://schemas.microsoft.com/office/drawing/2014/main" xmlns="" id="{A3ADDF41-A2F4-44A5-AB0B-43378FBD791B}"/>
                 </a:ext>
               </a:extLst>
             </p:cNvPr>
@@ -6561,7 +6565,7 @@
             <p:nvPr/>
           </p:nvPicPr>
           <p:blipFill>
-            <a:blip r:embed="rId3">
+            <a:blip r:embed="rId3" cstate="print">
               <a:extLst>
                 <a:ext uri="{28A0092B-C50C-407E-A947-70E740481C1C}">
                   <a14:useLocalDpi xmlns:a14="http://schemas.microsoft.com/office/drawing/2010/main" val="0"/>
@@ -6587,7 +6591,7 @@
             <p:cNvPr id="31" name="TextBox 30">
               <a:extLst>
                 <a:ext uri="{FF2B5EF4-FFF2-40B4-BE49-F238E27FC236}">
-                  <a16:creationId xmlns:a16="http://schemas.microsoft.com/office/drawing/2014/main" id="{A0D84B40-08DC-4A62-AF7C-D30657F11569}"/>
+                  <a16:creationId xmlns:a16="http://schemas.microsoft.com/office/drawing/2014/main" xmlns="" id="{A0D84B40-08DC-4A62-AF7C-D30657F11569}"/>
                 </a:ext>
               </a:extLst>
             </p:cNvPr>
@@ -6632,7 +6636,7 @@
           <p:cNvPr id="19" name="Straight Arrow Connector 18">
             <a:extLst>
               <a:ext uri="{FF2B5EF4-FFF2-40B4-BE49-F238E27FC236}">
-                <a16:creationId xmlns:a16="http://schemas.microsoft.com/office/drawing/2014/main" id="{68A026AB-4E09-4B25-91D3-EE90D41ED150}"/>
+                <a16:creationId xmlns:a16="http://schemas.microsoft.com/office/drawing/2014/main" xmlns="" id="{68A026AB-4E09-4B25-91D3-EE90D41ED150}"/>
               </a:ext>
             </a:extLst>
           </p:cNvPr>
@@ -6675,7 +6679,7 @@
           <p:cNvPr id="20" name="TextBox 19">
             <a:extLst>
               <a:ext uri="{FF2B5EF4-FFF2-40B4-BE49-F238E27FC236}">
-                <a16:creationId xmlns:a16="http://schemas.microsoft.com/office/drawing/2014/main" id="{C041D7BB-7799-4BD8-8861-08917F5CA432}"/>
+                <a16:creationId xmlns:a16="http://schemas.microsoft.com/office/drawing/2014/main" xmlns="" id="{C041D7BB-7799-4BD8-8861-08917F5CA432}"/>
               </a:ext>
             </a:extLst>
           </p:cNvPr>
@@ -6719,7 +6723,7 @@
           <p:cNvPr id="27" name="TextBox 26">
             <a:extLst>
               <a:ext uri="{FF2B5EF4-FFF2-40B4-BE49-F238E27FC236}">
-                <a16:creationId xmlns:a16="http://schemas.microsoft.com/office/drawing/2014/main" id="{24E539D0-E115-42C1-9D88-F5271D754985}"/>
+                <a16:creationId xmlns:a16="http://schemas.microsoft.com/office/drawing/2014/main" xmlns="" id="{24E539D0-E115-42C1-9D88-F5271D754985}"/>
               </a:ext>
             </a:extLst>
           </p:cNvPr>
@@ -6761,7 +6765,7 @@
           <p:cNvPr id="3" name="Straight Arrow Connector 2">
             <a:extLst>
               <a:ext uri="{FF2B5EF4-FFF2-40B4-BE49-F238E27FC236}">
-                <a16:creationId xmlns:a16="http://schemas.microsoft.com/office/drawing/2014/main" id="{76AA926D-0AD8-4AD9-BCFB-D035011E3BA0}"/>
+                <a16:creationId xmlns:a16="http://schemas.microsoft.com/office/drawing/2014/main" xmlns="" id="{76AA926D-0AD8-4AD9-BCFB-D035011E3BA0}"/>
               </a:ext>
             </a:extLst>
           </p:cNvPr>
@@ -6804,7 +6808,7 @@
           <p:cNvPr id="38" name="Straight Arrow Connector 37">
             <a:extLst>
               <a:ext uri="{FF2B5EF4-FFF2-40B4-BE49-F238E27FC236}">
-                <a16:creationId xmlns:a16="http://schemas.microsoft.com/office/drawing/2014/main" id="{E794593C-6D62-4660-B3B9-2461070B411B}"/>
+                <a16:creationId xmlns:a16="http://schemas.microsoft.com/office/drawing/2014/main" xmlns="" id="{E794593C-6D62-4660-B3B9-2461070B411B}"/>
               </a:ext>
             </a:extLst>
           </p:cNvPr>
@@ -6846,7 +6850,7 @@
           <p:cNvPr id="22" name="Group 21">
             <a:extLst>
               <a:ext uri="{FF2B5EF4-FFF2-40B4-BE49-F238E27FC236}">
-                <a16:creationId xmlns:a16="http://schemas.microsoft.com/office/drawing/2014/main" id="{2EBCFAF2-64A3-4475-B62A-A789E0303D37}"/>
+                <a16:creationId xmlns:a16="http://schemas.microsoft.com/office/drawing/2014/main" xmlns="" id="{2EBCFAF2-64A3-4475-B62A-A789E0303D37}"/>
               </a:ext>
             </a:extLst>
           </p:cNvPr>
@@ -6866,7 +6870,7 @@
             <p:cNvPr id="23" name="TextBox 22">
               <a:extLst>
                 <a:ext uri="{FF2B5EF4-FFF2-40B4-BE49-F238E27FC236}">
-                  <a16:creationId xmlns:a16="http://schemas.microsoft.com/office/drawing/2014/main" id="{555ADE75-0CD3-47C6-A2DC-BEA2DD57CA58}"/>
+                  <a16:creationId xmlns:a16="http://schemas.microsoft.com/office/drawing/2014/main" xmlns="" id="{555ADE75-0CD3-47C6-A2DC-BEA2DD57CA58}"/>
                 </a:ext>
               </a:extLst>
             </p:cNvPr>
@@ -6917,7 +6921,7 @@
             <p:cNvPr id="24" name="Graphic 23">
               <a:extLst>
                 <a:ext uri="{FF2B5EF4-FFF2-40B4-BE49-F238E27FC236}">
-                  <a16:creationId xmlns:a16="http://schemas.microsoft.com/office/drawing/2014/main" id="{03E16B29-64A5-4A16-93AB-EB28982E5340}"/>
+                  <a16:creationId xmlns:a16="http://schemas.microsoft.com/office/drawing/2014/main" xmlns="" id="{03E16B29-64A5-4A16-93AB-EB28982E5340}"/>
                 </a:ext>
               </a:extLst>
             </p:cNvPr>
@@ -6927,13 +6931,13 @@
             <p:nvPr/>
           </p:nvPicPr>
           <p:blipFill>
-            <a:blip r:embed="rId4">
+            <a:blip r:embed="rId4" cstate="print">
               <a:extLst>
                 <a:ext uri="{28A0092B-C50C-407E-A947-70E740481C1C}">
                   <a14:useLocalDpi xmlns:a14="http://schemas.microsoft.com/office/drawing/2010/main" val="0"/>
                 </a:ext>
                 <a:ext uri="{96DAC541-7B7A-43D3-8B79-37D633B846F1}">
-                  <asvg:svgBlip xmlns:asvg="http://schemas.microsoft.com/office/drawing/2016/SVG/main" r:embed="rId5"/>
+                  <asvg:svgBlip xmlns:asvg="http://schemas.microsoft.com/office/drawing/2016/SVG/main" xmlns="" r:embed="rId5"/>
                 </a:ext>
               </a:extLst>
             </a:blip>
@@ -6957,7 +6961,7 @@
           <p:cNvPr id="40" name="Group 39">
             <a:extLst>
               <a:ext uri="{FF2B5EF4-FFF2-40B4-BE49-F238E27FC236}">
-                <a16:creationId xmlns:a16="http://schemas.microsoft.com/office/drawing/2014/main" id="{08B229EF-8840-49B1-AE86-0A2A0175C3DF}"/>
+                <a16:creationId xmlns:a16="http://schemas.microsoft.com/office/drawing/2014/main" xmlns="" id="{08B229EF-8840-49B1-AE86-0A2A0175C3DF}"/>
               </a:ext>
             </a:extLst>
           </p:cNvPr>
@@ -6977,7 +6981,7 @@
             <p:cNvPr id="41" name="Picture 40" descr="A close up of a logo&#10;&#10;Description generated with high confidence">
               <a:extLst>
                 <a:ext uri="{FF2B5EF4-FFF2-40B4-BE49-F238E27FC236}">
-                  <a16:creationId xmlns:a16="http://schemas.microsoft.com/office/drawing/2014/main" id="{E57328A2-D586-4F8D-9C5D-4FC1F8EAB8A5}"/>
+                  <a16:creationId xmlns:a16="http://schemas.microsoft.com/office/drawing/2014/main" xmlns="" id="{E57328A2-D586-4F8D-9C5D-4FC1F8EAB8A5}"/>
                 </a:ext>
               </a:extLst>
             </p:cNvPr>
@@ -6987,7 +6991,7 @@
             <p:nvPr/>
           </p:nvPicPr>
           <p:blipFill>
-            <a:blip r:embed="rId6">
+            <a:blip r:embed="rId6" cstate="print">
               <a:extLst>
                 <a:ext uri="{28A0092B-C50C-407E-A947-70E740481C1C}">
                   <a14:useLocalDpi xmlns:a14="http://schemas.microsoft.com/office/drawing/2010/main" val="0"/>
@@ -7013,7 +7017,7 @@
             <p:cNvPr id="42" name="TextBox 41">
               <a:extLst>
                 <a:ext uri="{FF2B5EF4-FFF2-40B4-BE49-F238E27FC236}">
-                  <a16:creationId xmlns:a16="http://schemas.microsoft.com/office/drawing/2014/main" id="{2F59B65A-05F9-4F86-9FFA-27C2EFC689D0}"/>
+                  <a16:creationId xmlns:a16="http://schemas.microsoft.com/office/drawing/2014/main" xmlns="" id="{2F59B65A-05F9-4F86-9FFA-27C2EFC689D0}"/>
                 </a:ext>
               </a:extLst>
             </p:cNvPr>
